--- a/Prezentace/diplomka_diagramy.pptx
+++ b/Prezentace/diplomka_diagramy.pptx
@@ -234,7 +234,7 @@
           <a:p>
             <a:fld id="{41378AF8-A6AF-4C6C-B812-CAB409C6A8AE}" type="datetime1">
               <a:rPr lang="cs-CZ" smtClean="0"/>
-              <a:t>15.02.2024</a:t>
+              <a:t>05.03.2024</a:t>
             </a:fld>
             <a:endParaRPr lang="cs-CZ"/>
           </a:p>
@@ -412,7 +412,7 @@
           <a:p>
             <a:fld id="{ECCFEE94-AE36-4720-81AE-89B9CD716B00}" type="datetime1">
               <a:rPr lang="cs-CZ" smtClean="0"/>
-              <a:t>15.02.2024</a:t>
+              <a:t>05.03.2024</a:t>
             </a:fld>
             <a:endParaRPr lang="cs-CZ"/>
           </a:p>
@@ -4651,7 +4651,7 @@
           <a:p>
             <a:r>
               <a:rPr lang="cs-CZ" sz="1400"/>
-              <a:t>PG_3V3</a:t>
+              <a:t>EN_2V5</a:t>
             </a:r>
           </a:p>
         </p:txBody>

--- a/Prezentace/diplomka_diagramy.pptx
+++ b/Prezentace/diplomka_diagramy.pptx
@@ -5,10 +5,10 @@
     <p:sldMasterId id="2147483672" r:id="rId1"/>
   </p:sldMasterIdLst>
   <p:notesMasterIdLst>
-    <p:notesMasterId r:id="rId12"/>
+    <p:notesMasterId r:id="rId13"/>
   </p:notesMasterIdLst>
   <p:handoutMasterIdLst>
-    <p:handoutMasterId r:id="rId13"/>
+    <p:handoutMasterId r:id="rId14"/>
   </p:handoutMasterIdLst>
   <p:sldIdLst>
     <p:sldId id="256" r:id="rId2"/>
@@ -16,25 +16,26 @@
     <p:sldId id="272" r:id="rId4"/>
     <p:sldId id="271" r:id="rId5"/>
     <p:sldId id="280" r:id="rId6"/>
-    <p:sldId id="277" r:id="rId7"/>
-    <p:sldId id="276" r:id="rId8"/>
-    <p:sldId id="275" r:id="rId9"/>
-    <p:sldId id="279" r:id="rId10"/>
-    <p:sldId id="278" r:id="rId11"/>
+    <p:sldId id="282" r:id="rId7"/>
+    <p:sldId id="277" r:id="rId8"/>
+    <p:sldId id="276" r:id="rId9"/>
+    <p:sldId id="275" r:id="rId10"/>
+    <p:sldId id="279" r:id="rId11"/>
+    <p:sldId id="278" r:id="rId12"/>
   </p:sldIdLst>
   <p:sldSz cx="9144000" cy="6858000" type="screen4x3"/>
   <p:notesSz cx="6858000" cy="9144000"/>
   <p:embeddedFontLst>
     <p:embeddedFont>
       <p:font typeface="Technika" panose="020B0604020202020204" charset="0"/>
-      <p:regular r:id="rId14"/>
-      <p:bold r:id="rId15"/>
-      <p:italic r:id="rId16"/>
-      <p:boldItalic r:id="rId17"/>
+      <p:regular r:id="rId15"/>
+      <p:bold r:id="rId16"/>
+      <p:italic r:id="rId17"/>
+      <p:boldItalic r:id="rId18"/>
     </p:embeddedFont>
     <p:embeddedFont>
       <p:font typeface="Technika-Bold" panose="00000600000000000000" charset="0"/>
-      <p:regular r:id="rId18"/>
+      <p:regular r:id="rId19"/>
     </p:embeddedFont>
   </p:embeddedFontLst>
   <p:defaultTextStyle>
@@ -234,7 +235,7 @@
           <a:p>
             <a:fld id="{41378AF8-A6AF-4C6C-B812-CAB409C6A8AE}" type="datetime1">
               <a:rPr lang="cs-CZ" smtClean="0"/>
-              <a:t>05.03.2024</a:t>
+              <a:t>18.03.2024</a:t>
             </a:fld>
             <a:endParaRPr lang="cs-CZ"/>
           </a:p>
@@ -412,7 +413,7 @@
           <a:p>
             <a:fld id="{ECCFEE94-AE36-4720-81AE-89B9CD716B00}" type="datetime1">
               <a:rPr lang="cs-CZ" smtClean="0"/>
-              <a:t>05.03.2024</a:t>
+              <a:t>18.03.2024</a:t>
             </a:fld>
             <a:endParaRPr lang="cs-CZ"/>
           </a:p>
@@ -2357,7 +2358,7 @@
           <p:cNvPr id="4" name="Zástupný symbol pro číslo snímku 3">
             <a:extLst>
               <a:ext uri="{FF2B5EF4-FFF2-40B4-BE49-F238E27FC236}">
-                <a16:creationId xmlns:a16="http://schemas.microsoft.com/office/drawing/2014/main" id="{0611574D-5A2F-D8EE-6A7E-013035BCE926}"/>
+                <a16:creationId xmlns:a16="http://schemas.microsoft.com/office/drawing/2014/main" id="{1492FA71-C179-229B-0DDF-42534300C3C8}"/>
               </a:ext>
             </a:extLst>
           </p:cNvPr>
@@ -2377,6 +2378,639 @@
               <a:rPr lang="cs-CZ" smtClean="0"/>
               <a:pPr/>
               <a:t>10</a:t>
+            </a:fld>
+            <a:r>
+              <a:rPr lang="en-US"/>
+              <a:t> </a:t>
+            </a:r>
+            <a:endParaRPr lang="cs-CZ"/>
+          </a:p>
+        </p:txBody>
+      </p:sp>
+      <p:sp>
+        <p:nvSpPr>
+          <p:cNvPr id="5" name="Nadpis 1">
+            <a:extLst>
+              <a:ext uri="{FF2B5EF4-FFF2-40B4-BE49-F238E27FC236}">
+                <a16:creationId xmlns:a16="http://schemas.microsoft.com/office/drawing/2014/main" id="{2DF2D583-9A01-1FA6-AF2B-DB1E6745315D}"/>
+              </a:ext>
+            </a:extLst>
+          </p:cNvPr>
+          <p:cNvSpPr txBox="1">
+            <a:spLocks/>
+          </p:cNvSpPr>
+          <p:nvPr/>
+        </p:nvSpPr>
+        <p:spPr>
+          <a:xfrm>
+            <a:off x="386142" y="1452201"/>
+            <a:ext cx="5802521" cy="611984"/>
+          </a:xfrm>
+          <a:prstGeom prst="rect">
+            <a:avLst/>
+          </a:prstGeom>
+        </p:spPr>
+        <p:txBody>
+          <a:bodyPr vert="horz" lIns="91440" tIns="45720" rIns="91440" bIns="45720" rtlCol="0" anchor="t">
+            <a:normAutofit/>
+          </a:bodyPr>
+          <a:lstStyle>
+            <a:lvl1pPr algn="l" defTabSz="685766" rtl="0" eaLnBrk="1" latinLnBrk="0" hangingPunct="1">
+              <a:lnSpc>
+                <a:spcPct val="90000"/>
+              </a:lnSpc>
+              <a:spcBef>
+                <a:spcPct val="0"/>
+              </a:spcBef>
+              <a:buNone/>
+              <a:defRPr lang="cs-CZ" sz="3600" b="1" i="0" u="none" strike="noStrike" kern="4800" baseline="0" smtClean="0">
+                <a:solidFill>
+                  <a:schemeClr val="tx1"/>
+                </a:solidFill>
+                <a:latin typeface="Technika-Bold" panose="00000600000000000000" pitchFamily="50" charset="-18"/>
+                <a:ea typeface="+mj-ea"/>
+                <a:cs typeface="+mj-cs"/>
+              </a:defRPr>
+            </a:lvl1pPr>
+          </a:lstStyle>
+          <a:p>
+            <a:r>
+              <a:rPr lang="en-US" sz="2400"/>
+              <a:t>Working on diploma thesis</a:t>
+            </a:r>
+            <a:endParaRPr lang="cs-CZ" sz="2400"/>
+          </a:p>
+        </p:txBody>
+      </p:sp>
+      <p:sp>
+        <p:nvSpPr>
+          <p:cNvPr id="2" name="Nadpis 1">
+            <a:extLst>
+              <a:ext uri="{FF2B5EF4-FFF2-40B4-BE49-F238E27FC236}">
+                <a16:creationId xmlns:a16="http://schemas.microsoft.com/office/drawing/2014/main" id="{29ABF839-977A-A087-E291-207A9FA4F226}"/>
+              </a:ext>
+            </a:extLst>
+          </p:cNvPr>
+          <p:cNvSpPr txBox="1">
+            <a:spLocks/>
+          </p:cNvSpPr>
+          <p:nvPr/>
+        </p:nvSpPr>
+        <p:spPr>
+          <a:xfrm>
+            <a:off x="386142" y="1786302"/>
+            <a:ext cx="5802521" cy="611984"/>
+          </a:xfrm>
+          <a:prstGeom prst="rect">
+            <a:avLst/>
+          </a:prstGeom>
+        </p:spPr>
+        <p:txBody>
+          <a:bodyPr vert="horz" lIns="91440" tIns="45720" rIns="91440" bIns="45720" rtlCol="0" anchor="t">
+            <a:normAutofit/>
+          </a:bodyPr>
+          <a:lstStyle>
+            <a:lvl1pPr algn="l" defTabSz="685766" rtl="0" eaLnBrk="1" latinLnBrk="0" hangingPunct="1">
+              <a:lnSpc>
+                <a:spcPct val="90000"/>
+              </a:lnSpc>
+              <a:spcBef>
+                <a:spcPct val="0"/>
+              </a:spcBef>
+              <a:buNone/>
+              <a:defRPr lang="cs-CZ" sz="3600" b="1" i="0" u="none" strike="noStrike" kern="4800" baseline="0" smtClean="0">
+                <a:solidFill>
+                  <a:schemeClr val="tx1"/>
+                </a:solidFill>
+                <a:latin typeface="Technika-Bold" panose="00000600000000000000" pitchFamily="50" charset="-18"/>
+                <a:ea typeface="+mj-ea"/>
+                <a:cs typeface="+mj-cs"/>
+              </a:defRPr>
+            </a:lvl1pPr>
+          </a:lstStyle>
+          <a:p>
+            <a:r>
+              <a:rPr lang="en-US" sz="2400"/>
+              <a:t>Mini readout for Timepix2</a:t>
+            </a:r>
+            <a:endParaRPr lang="cs-CZ" sz="2400"/>
+          </a:p>
+        </p:txBody>
+      </p:sp>
+      <p:sp>
+        <p:nvSpPr>
+          <p:cNvPr id="12" name="Nadpis 1">
+            <a:extLst>
+              <a:ext uri="{FF2B5EF4-FFF2-40B4-BE49-F238E27FC236}">
+                <a16:creationId xmlns:a16="http://schemas.microsoft.com/office/drawing/2014/main" id="{4E52B82B-935A-39C7-4CCE-A762179AC311}"/>
+              </a:ext>
+            </a:extLst>
+          </p:cNvPr>
+          <p:cNvSpPr txBox="1">
+            <a:spLocks/>
+          </p:cNvSpPr>
+          <p:nvPr/>
+        </p:nvSpPr>
+        <p:spPr>
+          <a:xfrm>
+            <a:off x="386141" y="2281821"/>
+            <a:ext cx="5802521" cy="611984"/>
+          </a:xfrm>
+          <a:prstGeom prst="rect">
+            <a:avLst/>
+          </a:prstGeom>
+        </p:spPr>
+        <p:txBody>
+          <a:bodyPr vert="horz" lIns="91440" tIns="45720" rIns="91440" bIns="45720" rtlCol="0" anchor="t">
+            <a:normAutofit/>
+          </a:bodyPr>
+          <a:lstStyle>
+            <a:lvl1pPr algn="l" defTabSz="685766" rtl="0" eaLnBrk="1" latinLnBrk="0" hangingPunct="1">
+              <a:lnSpc>
+                <a:spcPct val="90000"/>
+              </a:lnSpc>
+              <a:spcBef>
+                <a:spcPct val="0"/>
+              </a:spcBef>
+              <a:buNone/>
+              <a:defRPr lang="cs-CZ" sz="3600" b="1" i="0" u="none" strike="noStrike" kern="4800" baseline="0" smtClean="0">
+                <a:solidFill>
+                  <a:schemeClr val="tx1"/>
+                </a:solidFill>
+                <a:latin typeface="Technika-Bold" panose="00000600000000000000" pitchFamily="50" charset="-18"/>
+                <a:ea typeface="+mj-ea"/>
+                <a:cs typeface="+mj-cs"/>
+              </a:defRPr>
+            </a:lvl1pPr>
+          </a:lstStyle>
+          <a:p>
+            <a:r>
+              <a:rPr lang="en-US" sz="2400"/>
+              <a:t>Testing of chipboard:</a:t>
+            </a:r>
+            <a:endParaRPr lang="cs-CZ" sz="2400"/>
+          </a:p>
+        </p:txBody>
+      </p:sp>
+      <p:sp>
+        <p:nvSpPr>
+          <p:cNvPr id="3" name="Obdélník 12">
+            <a:extLst>
+              <a:ext uri="{FF2B5EF4-FFF2-40B4-BE49-F238E27FC236}">
+                <a16:creationId xmlns:a16="http://schemas.microsoft.com/office/drawing/2014/main" id="{DD5DBED5-0960-D328-EAC7-098FF815B317}"/>
+              </a:ext>
+            </a:extLst>
+          </p:cNvPr>
+          <p:cNvSpPr/>
+          <p:nvPr/>
+        </p:nvSpPr>
+        <p:spPr>
+          <a:xfrm>
+            <a:off x="1108860" y="3111441"/>
+            <a:ext cx="1842469" cy="1096985"/>
+          </a:xfrm>
+          <a:prstGeom prst="rect">
+            <a:avLst/>
+          </a:prstGeom>
+          <a:solidFill>
+            <a:schemeClr val="tx1"/>
+          </a:solidFill>
+        </p:spPr>
+        <p:style>
+          <a:lnRef idx="2">
+            <a:schemeClr val="accent1">
+              <a:shade val="50000"/>
+            </a:schemeClr>
+          </a:lnRef>
+          <a:fillRef idx="1">
+            <a:schemeClr val="accent1"/>
+          </a:fillRef>
+          <a:effectRef idx="0">
+            <a:schemeClr val="accent1"/>
+          </a:effectRef>
+          <a:fontRef idx="minor">
+            <a:schemeClr val="lt1"/>
+          </a:fontRef>
+        </p:style>
+        <p:txBody>
+          <a:bodyPr lIns="51435" tIns="25718" rIns="51435" bIns="25718" rtlCol="0" anchor="ctr"/>
+          <a:lstStyle/>
+          <a:p>
+            <a:pPr algn="ctr"/>
+            <a:r>
+              <a:rPr lang="en-US" sz="2000"/>
+              <a:t>Katherine</a:t>
+            </a:r>
+          </a:p>
+          <a:p>
+            <a:pPr algn="ctr"/>
+            <a:r>
+              <a:rPr lang="en-US" sz="2000"/>
+              <a:t>For</a:t>
+            </a:r>
+          </a:p>
+          <a:p>
+            <a:pPr algn="ctr"/>
+            <a:r>
+              <a:rPr lang="en-US" sz="2000"/>
+              <a:t>Timepix2 </a:t>
+            </a:r>
+            <a:endParaRPr lang="cs-CZ" sz="2000"/>
+          </a:p>
+          <a:p>
+            <a:pPr algn="ctr"/>
+            <a:endParaRPr lang="cs-CZ" sz="788"/>
+          </a:p>
+        </p:txBody>
+      </p:sp>
+      <p:cxnSp>
+        <p:nvCxnSpPr>
+          <p:cNvPr id="6" name="Přímá spojnice se šipkou 16">
+            <a:extLst>
+              <a:ext uri="{FF2B5EF4-FFF2-40B4-BE49-F238E27FC236}">
+                <a16:creationId xmlns:a16="http://schemas.microsoft.com/office/drawing/2014/main" id="{9AF90579-16BB-3DEC-3C9D-17C848D9DE7D}"/>
+              </a:ext>
+            </a:extLst>
+          </p:cNvPr>
+          <p:cNvCxnSpPr>
+            <a:cxnSpLocks/>
+          </p:cNvCxnSpPr>
+          <p:nvPr/>
+        </p:nvCxnSpPr>
+        <p:spPr>
+          <a:xfrm flipV="1">
+            <a:off x="2949095" y="3656504"/>
+            <a:ext cx="380619" cy="3429"/>
+          </a:xfrm>
+          <a:prstGeom prst="straightConnector1">
+            <a:avLst/>
+          </a:prstGeom>
+          <a:ln w="28575">
+            <a:solidFill>
+              <a:schemeClr val="tx1"/>
+            </a:solidFill>
+            <a:tailEnd type="triangle"/>
+          </a:ln>
+        </p:spPr>
+        <p:style>
+          <a:lnRef idx="1">
+            <a:schemeClr val="accent1"/>
+          </a:lnRef>
+          <a:fillRef idx="0">
+            <a:schemeClr val="accent1"/>
+          </a:fillRef>
+          <a:effectRef idx="0">
+            <a:schemeClr val="accent1"/>
+          </a:effectRef>
+          <a:fontRef idx="minor">
+            <a:schemeClr val="tx1"/>
+          </a:fontRef>
+        </p:style>
+      </p:cxnSp>
+      <p:sp>
+        <p:nvSpPr>
+          <p:cNvPr id="7" name="Obdélník 12">
+            <a:extLst>
+              <a:ext uri="{FF2B5EF4-FFF2-40B4-BE49-F238E27FC236}">
+                <a16:creationId xmlns:a16="http://schemas.microsoft.com/office/drawing/2014/main" id="{D5FF7020-8EDE-6F4C-87CF-45B8929D34E5}"/>
+              </a:ext>
+            </a:extLst>
+          </p:cNvPr>
+          <p:cNvSpPr/>
+          <p:nvPr/>
+        </p:nvSpPr>
+        <p:spPr>
+          <a:xfrm>
+            <a:off x="5581844" y="3104582"/>
+            <a:ext cx="1490876" cy="1096985"/>
+          </a:xfrm>
+          <a:prstGeom prst="rect">
+            <a:avLst/>
+          </a:prstGeom>
+          <a:solidFill>
+            <a:schemeClr val="tx1"/>
+          </a:solidFill>
+        </p:spPr>
+        <p:style>
+          <a:lnRef idx="2">
+            <a:schemeClr val="accent1">
+              <a:shade val="50000"/>
+            </a:schemeClr>
+          </a:lnRef>
+          <a:fillRef idx="1">
+            <a:schemeClr val="accent1"/>
+          </a:fillRef>
+          <a:effectRef idx="0">
+            <a:schemeClr val="accent1"/>
+          </a:effectRef>
+          <a:fontRef idx="minor">
+            <a:schemeClr val="lt1"/>
+          </a:fontRef>
+        </p:style>
+        <p:txBody>
+          <a:bodyPr lIns="51435" tIns="25718" rIns="51435" bIns="25718" rtlCol="0" anchor="ctr"/>
+          <a:lstStyle/>
+          <a:p>
+            <a:pPr algn="ctr"/>
+            <a:r>
+              <a:rPr lang="en-US" sz="2000"/>
+              <a:t>Chipboard</a:t>
+            </a:r>
+          </a:p>
+          <a:p>
+            <a:pPr algn="ctr"/>
+            <a:r>
+              <a:rPr lang="en-US" sz="2000"/>
+              <a:t>with</a:t>
+            </a:r>
+          </a:p>
+          <a:p>
+            <a:pPr algn="ctr"/>
+            <a:r>
+              <a:rPr lang="cs-CZ" sz="2000"/>
+              <a:t>Timepix2</a:t>
+            </a:r>
+          </a:p>
+          <a:p>
+            <a:pPr algn="ctr"/>
+            <a:endParaRPr lang="cs-CZ" sz="788"/>
+          </a:p>
+        </p:txBody>
+      </p:sp>
+      <p:sp>
+        <p:nvSpPr>
+          <p:cNvPr id="8" name="Obdélník 12">
+            <a:extLst>
+              <a:ext uri="{FF2B5EF4-FFF2-40B4-BE49-F238E27FC236}">
+                <a16:creationId xmlns:a16="http://schemas.microsoft.com/office/drawing/2014/main" id="{273D0CA4-F5EF-4F6E-72BA-83F0227DD806}"/>
+              </a:ext>
+            </a:extLst>
+          </p:cNvPr>
+          <p:cNvSpPr/>
+          <p:nvPr/>
+        </p:nvSpPr>
+        <p:spPr>
+          <a:xfrm>
+            <a:off x="3345352" y="3111441"/>
+            <a:ext cx="1842469" cy="1096985"/>
+          </a:xfrm>
+          <a:prstGeom prst="rect">
+            <a:avLst/>
+          </a:prstGeom>
+          <a:solidFill>
+            <a:schemeClr val="tx1"/>
+          </a:solidFill>
+        </p:spPr>
+        <p:style>
+          <a:lnRef idx="2">
+            <a:schemeClr val="accent1">
+              <a:shade val="50000"/>
+            </a:schemeClr>
+          </a:lnRef>
+          <a:fillRef idx="1">
+            <a:schemeClr val="accent1"/>
+          </a:fillRef>
+          <a:effectRef idx="0">
+            <a:schemeClr val="accent1"/>
+          </a:effectRef>
+          <a:fontRef idx="minor">
+            <a:schemeClr val="lt1"/>
+          </a:fontRef>
+        </p:style>
+        <p:txBody>
+          <a:bodyPr lIns="51435" tIns="25718" rIns="51435" bIns="25718" rtlCol="0" anchor="ctr"/>
+          <a:lstStyle/>
+          <a:p>
+            <a:pPr algn="ctr"/>
+            <a:r>
+              <a:rPr lang="en-US" sz="2000"/>
+              <a:t>Conversion </a:t>
+            </a:r>
+          </a:p>
+          <a:p>
+            <a:pPr algn="ctr"/>
+            <a:r>
+              <a:rPr lang="en-US" sz="2000"/>
+              <a:t>board</a:t>
+            </a:r>
+            <a:endParaRPr lang="cs-CZ" sz="2000"/>
+          </a:p>
+          <a:p>
+            <a:pPr algn="ctr"/>
+            <a:endParaRPr lang="cs-CZ" sz="788"/>
+          </a:p>
+        </p:txBody>
+      </p:sp>
+      <p:cxnSp>
+        <p:nvCxnSpPr>
+          <p:cNvPr id="9" name="Přímá spojnice se šipkou 17">
+            <a:extLst>
+              <a:ext uri="{FF2B5EF4-FFF2-40B4-BE49-F238E27FC236}">
+                <a16:creationId xmlns:a16="http://schemas.microsoft.com/office/drawing/2014/main" id="{275F6F00-E761-C22C-9F72-30D324DB80A1}"/>
+              </a:ext>
+            </a:extLst>
+          </p:cNvPr>
+          <p:cNvCxnSpPr>
+            <a:cxnSpLocks/>
+          </p:cNvCxnSpPr>
+          <p:nvPr/>
+        </p:nvCxnSpPr>
+        <p:spPr>
+          <a:xfrm flipV="1">
+            <a:off x="5169949" y="3653075"/>
+            <a:ext cx="380619" cy="3429"/>
+          </a:xfrm>
+          <a:prstGeom prst="straightConnector1">
+            <a:avLst/>
+          </a:prstGeom>
+          <a:ln w="28575">
+            <a:solidFill>
+              <a:schemeClr val="tx1"/>
+            </a:solidFill>
+            <a:tailEnd type="triangle"/>
+          </a:ln>
+        </p:spPr>
+        <p:style>
+          <a:lnRef idx="1">
+            <a:schemeClr val="accent1"/>
+          </a:lnRef>
+          <a:fillRef idx="0">
+            <a:schemeClr val="accent1"/>
+          </a:fillRef>
+          <a:effectRef idx="0">
+            <a:schemeClr val="accent1"/>
+          </a:effectRef>
+          <a:fontRef idx="minor">
+            <a:schemeClr val="tx1"/>
+          </a:fontRef>
+        </p:style>
+      </p:cxnSp>
+      <p:pic>
+        <p:nvPicPr>
+          <p:cNvPr id="17" name="Obrázek 16" descr="Obsah obrázku elektronika, obvod, Elektronická součástka, Obvodoví součástka&#10;&#10;Popis byl vytvořen automaticky">
+            <a:extLst>
+              <a:ext uri="{FF2B5EF4-FFF2-40B4-BE49-F238E27FC236}">
+                <a16:creationId xmlns:a16="http://schemas.microsoft.com/office/drawing/2014/main" id="{0E483AD7-08B2-DF8C-DFEC-6F38CCAB1ED0}"/>
+              </a:ext>
+            </a:extLst>
+          </p:cNvPr>
+          <p:cNvPicPr>
+            <a:picLocks noChangeAspect="1"/>
+          </p:cNvPicPr>
+          <p:nvPr/>
+        </p:nvPicPr>
+        <p:blipFill>
+          <a:blip r:embed="rId2" cstate="print">
+            <a:extLst>
+              <a:ext uri="{28A0092B-C50C-407E-A947-70E740481C1C}">
+                <a14:useLocalDpi xmlns:a14="http://schemas.microsoft.com/office/drawing/2010/main" val="0"/>
+              </a:ext>
+            </a:extLst>
+          </a:blip>
+          <a:stretch>
+            <a:fillRect/>
+          </a:stretch>
+        </p:blipFill>
+        <p:spPr>
+          <a:xfrm>
+            <a:off x="3345352" y="4541430"/>
+            <a:ext cx="1845145" cy="2026589"/>
+          </a:xfrm>
+          <a:prstGeom prst="rect">
+            <a:avLst/>
+          </a:prstGeom>
+        </p:spPr>
+      </p:pic>
+      <p:pic>
+        <p:nvPicPr>
+          <p:cNvPr id="19" name="Obrázek 18" descr="Obsah obrázku obvod, Elektronická součástka, Obvodoví součástka, Pasivní součástka&#10;&#10;Popis byl vytvořen automaticky">
+            <a:extLst>
+              <a:ext uri="{FF2B5EF4-FFF2-40B4-BE49-F238E27FC236}">
+                <a16:creationId xmlns:a16="http://schemas.microsoft.com/office/drawing/2014/main" id="{57F9BBC1-CB92-6BC0-D0ED-D9D169718DDA}"/>
+              </a:ext>
+            </a:extLst>
+          </p:cNvPr>
+          <p:cNvPicPr>
+            <a:picLocks noChangeAspect="1"/>
+          </p:cNvPicPr>
+          <p:nvPr/>
+        </p:nvPicPr>
+        <p:blipFill>
+          <a:blip r:embed="rId3" cstate="print">
+            <a:extLst>
+              <a:ext uri="{28A0092B-C50C-407E-A947-70E740481C1C}">
+                <a14:useLocalDpi xmlns:a14="http://schemas.microsoft.com/office/drawing/2010/main" val="0"/>
+              </a:ext>
+            </a:extLst>
+          </a:blip>
+          <a:stretch>
+            <a:fillRect/>
+          </a:stretch>
+        </p:blipFill>
+        <p:spPr>
+          <a:xfrm>
+            <a:off x="5280473" y="4835761"/>
+            <a:ext cx="2957641" cy="1140076"/>
+          </a:xfrm>
+          <a:prstGeom prst="rect">
+            <a:avLst/>
+          </a:prstGeom>
+        </p:spPr>
+      </p:pic>
+      <p:sp>
+        <p:nvSpPr>
+          <p:cNvPr id="25" name="TextovéPole 24">
+            <a:extLst>
+              <a:ext uri="{FF2B5EF4-FFF2-40B4-BE49-F238E27FC236}">
+                <a16:creationId xmlns:a16="http://schemas.microsoft.com/office/drawing/2014/main" id="{C3923976-C317-2DB0-A753-26090ED46EC6}"/>
+              </a:ext>
+            </a:extLst>
+          </p:cNvPr>
+          <p:cNvSpPr txBox="1"/>
+          <p:nvPr/>
+        </p:nvSpPr>
+        <p:spPr>
+          <a:xfrm>
+            <a:off x="5201013" y="2273340"/>
+            <a:ext cx="3116559" cy="369332"/>
+          </a:xfrm>
+          <a:prstGeom prst="rect">
+            <a:avLst/>
+          </a:prstGeom>
+          <a:noFill/>
+        </p:spPr>
+        <p:txBody>
+          <a:bodyPr wrap="none" rtlCol="0">
+            <a:spAutoFit/>
+          </a:bodyPr>
+          <a:lstStyle/>
+          <a:p>
+            <a:pPr marL="285750" indent="-285750">
+              <a:buFont typeface="Arial" panose="020B0604020202020204" pitchFamily="34" charset="0"/>
+              <a:buChar char="•"/>
+            </a:pPr>
+            <a:r>
+              <a:rPr lang="en-US"/>
+              <a:t>After first test looks OK</a:t>
+            </a:r>
+          </a:p>
+        </p:txBody>
+      </p:sp>
+    </p:spTree>
+    <p:extLst>
+      <p:ext uri="{BB962C8B-B14F-4D97-AF65-F5344CB8AC3E}">
+        <p14:creationId xmlns:p14="http://schemas.microsoft.com/office/powerpoint/2010/main" val="364197155"/>
+      </p:ext>
+    </p:extLst>
+  </p:cSld>
+  <p:clrMapOvr>
+    <a:masterClrMapping/>
+  </p:clrMapOvr>
+</p:sld>
+</file>
+
+<file path=ppt/slides/slide11.xml><?xml version="1.0" encoding="utf-8"?>
+<p:sld xmlns:a="http://schemas.openxmlformats.org/drawingml/2006/main" xmlns:r="http://schemas.openxmlformats.org/officeDocument/2006/relationships" xmlns:p="http://schemas.openxmlformats.org/presentationml/2006/main">
+  <p:cSld>
+    <p:spTree>
+      <p:nvGrpSpPr>
+        <p:cNvPr id="1" name=""/>
+        <p:cNvGrpSpPr/>
+        <p:nvPr/>
+      </p:nvGrpSpPr>
+      <p:grpSpPr>
+        <a:xfrm>
+          <a:off x="0" y="0"/>
+          <a:ext cx="0" cy="0"/>
+          <a:chOff x="0" y="0"/>
+          <a:chExt cx="0" cy="0"/>
+        </a:xfrm>
+      </p:grpSpPr>
+      <p:sp>
+        <p:nvSpPr>
+          <p:cNvPr id="4" name="Zástupný symbol pro číslo snímku 3">
+            <a:extLst>
+              <a:ext uri="{FF2B5EF4-FFF2-40B4-BE49-F238E27FC236}">
+                <a16:creationId xmlns:a16="http://schemas.microsoft.com/office/drawing/2014/main" id="{0611574D-5A2F-D8EE-6A7E-013035BCE926}"/>
+              </a:ext>
+            </a:extLst>
+          </p:cNvPr>
+          <p:cNvSpPr>
+            <a:spLocks noGrp="1"/>
+          </p:cNvSpPr>
+          <p:nvPr>
+            <p:ph type="sldNum" sz="quarter" idx="11"/>
+          </p:nvPr>
+        </p:nvSpPr>
+        <p:spPr/>
+        <p:txBody>
+          <a:bodyPr/>
+          <a:lstStyle/>
+          <a:p>
+            <a:fld id="{A541C3C4-3FE4-452E-A0BF-070C2AEEEE8E}" type="slidenum">
+              <a:rPr lang="cs-CZ" smtClean="0"/>
+              <a:pPr/>
+              <a:t>11</a:t>
             </a:fld>
             <a:r>
               <a:rPr lang="en-US"/>
@@ -4845,7 +5479,7 @@
           <p:cNvPr id="4" name="Zástupný symbol pro číslo snímku 3">
             <a:extLst>
               <a:ext uri="{FF2B5EF4-FFF2-40B4-BE49-F238E27FC236}">
-                <a16:creationId xmlns:a16="http://schemas.microsoft.com/office/drawing/2014/main" id="{1492FA71-C179-229B-0DDF-42534300C3C8}"/>
+                <a16:creationId xmlns:a16="http://schemas.microsoft.com/office/drawing/2014/main" id="{B24CEB30-5B3F-DA78-9133-BB0DD0EB1C3B}"/>
               </a:ext>
             </a:extLst>
           </p:cNvPr>
@@ -4876,647 +5510,651 @@
       </p:sp>
       <p:sp>
         <p:nvSpPr>
-          <p:cNvPr id="5" name="Nadpis 1">
-            <a:extLst>
-              <a:ext uri="{FF2B5EF4-FFF2-40B4-BE49-F238E27FC236}">
-                <a16:creationId xmlns:a16="http://schemas.microsoft.com/office/drawing/2014/main" id="{2DF2D583-9A01-1FA6-AF2B-DB1E6745315D}"/>
-              </a:ext>
-            </a:extLst>
-          </p:cNvPr>
-          <p:cNvSpPr txBox="1">
-            <a:spLocks/>
-          </p:cNvSpPr>
+          <p:cNvPr id="5" name="Obdélník 12">
+            <a:extLst>
+              <a:ext uri="{FF2B5EF4-FFF2-40B4-BE49-F238E27FC236}">
+                <a16:creationId xmlns:a16="http://schemas.microsoft.com/office/drawing/2014/main" id="{213A90E0-C1D0-05E1-03F8-23479634C325}"/>
+              </a:ext>
+            </a:extLst>
+          </p:cNvPr>
+          <p:cNvSpPr/>
           <p:nvPr/>
         </p:nvSpPr>
         <p:spPr>
           <a:xfrm>
-            <a:off x="386142" y="1452201"/>
-            <a:ext cx="5802521" cy="611984"/>
-          </a:xfrm>
-          <a:prstGeom prst="rect">
-            <a:avLst/>
-          </a:prstGeom>
-        </p:spPr>
-        <p:txBody>
-          <a:bodyPr vert="horz" lIns="91440" tIns="45720" rIns="91440" bIns="45720" rtlCol="0" anchor="t">
-            <a:normAutofit/>
-          </a:bodyPr>
-          <a:lstStyle>
-            <a:lvl1pPr algn="l" defTabSz="685766" rtl="0" eaLnBrk="1" latinLnBrk="0" hangingPunct="1">
-              <a:lnSpc>
-                <a:spcPct val="90000"/>
-              </a:lnSpc>
-              <a:spcBef>
-                <a:spcPct val="0"/>
-              </a:spcBef>
-              <a:buNone/>
-              <a:defRPr lang="cs-CZ" sz="3600" b="1" i="0" u="none" strike="noStrike" kern="4800" baseline="0" smtClean="0">
+            <a:off x="1362001" y="2697813"/>
+            <a:ext cx="2332477" cy="822635"/>
+          </a:xfrm>
+          <a:prstGeom prst="rect">
+            <a:avLst/>
+          </a:prstGeom>
+          <a:solidFill>
+            <a:schemeClr val="tx1"/>
+          </a:solidFill>
+          <a:ln>
+            <a:solidFill>
+              <a:schemeClr val="bg1"/>
+            </a:solidFill>
+          </a:ln>
+        </p:spPr>
+        <p:style>
+          <a:lnRef idx="2">
+            <a:schemeClr val="accent1">
+              <a:shade val="50000"/>
+            </a:schemeClr>
+          </a:lnRef>
+          <a:fillRef idx="1">
+            <a:schemeClr val="accent1"/>
+          </a:fillRef>
+          <a:effectRef idx="0">
+            <a:schemeClr val="accent1"/>
+          </a:effectRef>
+          <a:fontRef idx="minor">
+            <a:schemeClr val="lt1"/>
+          </a:fontRef>
+        </p:style>
+        <p:txBody>
+          <a:bodyPr lIns="51435" tIns="25718" rIns="51435" bIns="25718" rtlCol="0" anchor="ctr"/>
+          <a:lstStyle/>
+          <a:p>
+            <a:pPr algn="ctr"/>
+            <a:r>
+              <a:rPr lang="cs-CZ" sz="1400"/>
+              <a:t>Nastavení rozlišení senzoru na 12 bitů</a:t>
+            </a:r>
+          </a:p>
+          <a:p>
+            <a:pPr algn="ctr"/>
+            <a:endParaRPr lang="cs-CZ" sz="788"/>
+          </a:p>
+        </p:txBody>
+      </p:sp>
+      <p:sp>
+        <p:nvSpPr>
+          <p:cNvPr id="10" name="Obdélník 12">
+            <a:extLst>
+              <a:ext uri="{FF2B5EF4-FFF2-40B4-BE49-F238E27FC236}">
+                <a16:creationId xmlns:a16="http://schemas.microsoft.com/office/drawing/2014/main" id="{9FD254CB-99AD-2B42-6783-B2C5B13E65FF}"/>
+              </a:ext>
+            </a:extLst>
+          </p:cNvPr>
+          <p:cNvSpPr/>
+          <p:nvPr/>
+        </p:nvSpPr>
+        <p:spPr>
+          <a:xfrm>
+            <a:off x="1362001" y="3844822"/>
+            <a:ext cx="2332482" cy="822636"/>
+          </a:xfrm>
+          <a:prstGeom prst="rect">
+            <a:avLst/>
+          </a:prstGeom>
+          <a:solidFill>
+            <a:schemeClr val="tx1"/>
+          </a:solidFill>
+          <a:ln>
+            <a:solidFill>
+              <a:schemeClr val="bg1"/>
+            </a:solidFill>
+          </a:ln>
+        </p:spPr>
+        <p:style>
+          <a:lnRef idx="2">
+            <a:schemeClr val="accent1">
+              <a:shade val="50000"/>
+            </a:schemeClr>
+          </a:lnRef>
+          <a:fillRef idx="1">
+            <a:schemeClr val="accent1"/>
+          </a:fillRef>
+          <a:effectRef idx="0">
+            <a:schemeClr val="accent1"/>
+          </a:effectRef>
+          <a:fontRef idx="minor">
+            <a:schemeClr val="lt1"/>
+          </a:fontRef>
+        </p:style>
+        <p:txBody>
+          <a:bodyPr lIns="51435" tIns="25718" rIns="51435" bIns="25718" rtlCol="0" anchor="ctr"/>
+          <a:lstStyle/>
+          <a:p>
+            <a:pPr algn="ctr"/>
+            <a:r>
+              <a:rPr lang="cs-CZ" sz="1400"/>
+              <a:t>Výběr registru senzoru, kde je uložená informace o teplotě</a:t>
+            </a:r>
+          </a:p>
+          <a:p>
+            <a:pPr algn="ctr"/>
+            <a:endParaRPr lang="cs-CZ" sz="788"/>
+          </a:p>
+        </p:txBody>
+      </p:sp>
+      <p:cxnSp>
+        <p:nvCxnSpPr>
+          <p:cNvPr id="27" name="Přímá spojnice se šipkou 17">
+            <a:extLst>
+              <a:ext uri="{FF2B5EF4-FFF2-40B4-BE49-F238E27FC236}">
+                <a16:creationId xmlns:a16="http://schemas.microsoft.com/office/drawing/2014/main" id="{8DAA9388-9DD8-8202-8E17-76FC16A89239}"/>
+              </a:ext>
+            </a:extLst>
+          </p:cNvPr>
+          <p:cNvCxnSpPr>
+            <a:cxnSpLocks/>
+          </p:cNvCxnSpPr>
+          <p:nvPr/>
+        </p:nvCxnSpPr>
+        <p:spPr>
+          <a:xfrm>
+            <a:off x="2501166" y="2373439"/>
+            <a:ext cx="0" cy="324374"/>
+          </a:xfrm>
+          <a:prstGeom prst="straightConnector1">
+            <a:avLst/>
+          </a:prstGeom>
+          <a:ln w="28575">
+            <a:solidFill>
+              <a:schemeClr val="tx1"/>
+            </a:solidFill>
+            <a:tailEnd type="triangle"/>
+          </a:ln>
+        </p:spPr>
+        <p:style>
+          <a:lnRef idx="1">
+            <a:schemeClr val="accent1"/>
+          </a:lnRef>
+          <a:fillRef idx="0">
+            <a:schemeClr val="accent1"/>
+          </a:fillRef>
+          <a:effectRef idx="0">
+            <a:schemeClr val="accent1"/>
+          </a:effectRef>
+          <a:fontRef idx="minor">
+            <a:schemeClr val="tx1"/>
+          </a:fontRef>
+        </p:style>
+      </p:cxnSp>
+      <p:sp>
+        <p:nvSpPr>
+          <p:cNvPr id="7" name="Obdélník 12">
+            <a:extLst>
+              <a:ext uri="{FF2B5EF4-FFF2-40B4-BE49-F238E27FC236}">
+                <a16:creationId xmlns:a16="http://schemas.microsoft.com/office/drawing/2014/main" id="{7F518183-6F1C-0781-78C4-6E2332790ADE}"/>
+              </a:ext>
+            </a:extLst>
+          </p:cNvPr>
+          <p:cNvSpPr/>
+          <p:nvPr/>
+        </p:nvSpPr>
+        <p:spPr>
+          <a:xfrm>
+            <a:off x="4571995" y="2697813"/>
+            <a:ext cx="2332482" cy="822636"/>
+          </a:xfrm>
+          <a:prstGeom prst="rect">
+            <a:avLst/>
+          </a:prstGeom>
+          <a:solidFill>
+            <a:schemeClr val="tx1"/>
+          </a:solidFill>
+          <a:ln>
+            <a:solidFill>
+              <a:schemeClr val="bg1"/>
+            </a:solidFill>
+          </a:ln>
+        </p:spPr>
+        <p:style>
+          <a:lnRef idx="2">
+            <a:schemeClr val="accent1">
+              <a:shade val="50000"/>
+            </a:schemeClr>
+          </a:lnRef>
+          <a:fillRef idx="1">
+            <a:schemeClr val="accent1"/>
+          </a:fillRef>
+          <a:effectRef idx="0">
+            <a:schemeClr val="accent1"/>
+          </a:effectRef>
+          <a:fontRef idx="minor">
+            <a:schemeClr val="lt1"/>
+          </a:fontRef>
+        </p:style>
+        <p:txBody>
+          <a:bodyPr lIns="51435" tIns="25718" rIns="51435" bIns="25718" rtlCol="0" anchor="ctr"/>
+          <a:lstStyle/>
+          <a:p>
+            <a:pPr algn="ctr"/>
+            <a:r>
+              <a:rPr lang="cs-CZ" sz="1400"/>
+              <a:t>Převod teploty na desetiné číslo</a:t>
+            </a:r>
+          </a:p>
+          <a:p>
+            <a:pPr algn="ctr"/>
+            <a:endParaRPr lang="cs-CZ" sz="788"/>
+          </a:p>
+        </p:txBody>
+      </p:sp>
+      <p:sp>
+        <p:nvSpPr>
+          <p:cNvPr id="8" name="Obdélník 12">
+            <a:extLst>
+              <a:ext uri="{FF2B5EF4-FFF2-40B4-BE49-F238E27FC236}">
+                <a16:creationId xmlns:a16="http://schemas.microsoft.com/office/drawing/2014/main" id="{76D3D3E9-E391-EEEC-EE5A-66014B4CC031}"/>
+              </a:ext>
+            </a:extLst>
+          </p:cNvPr>
+          <p:cNvSpPr/>
+          <p:nvPr/>
+        </p:nvSpPr>
+        <p:spPr>
+          <a:xfrm>
+            <a:off x="4571995" y="3844822"/>
+            <a:ext cx="2332482" cy="822636"/>
+          </a:xfrm>
+          <a:prstGeom prst="rect">
+            <a:avLst/>
+          </a:prstGeom>
+          <a:solidFill>
+            <a:schemeClr val="tx1"/>
+          </a:solidFill>
+          <a:ln>
+            <a:solidFill>
+              <a:schemeClr val="bg1"/>
+            </a:solidFill>
+          </a:ln>
+        </p:spPr>
+        <p:style>
+          <a:lnRef idx="2">
+            <a:schemeClr val="accent1">
+              <a:shade val="50000"/>
+            </a:schemeClr>
+          </a:lnRef>
+          <a:fillRef idx="1">
+            <a:schemeClr val="accent1"/>
+          </a:fillRef>
+          <a:effectRef idx="0">
+            <a:schemeClr val="accent1"/>
+          </a:effectRef>
+          <a:fontRef idx="minor">
+            <a:schemeClr val="lt1"/>
+          </a:fontRef>
+        </p:style>
+        <p:txBody>
+          <a:bodyPr lIns="51435" tIns="25718" rIns="51435" bIns="25718" rtlCol="0" anchor="ctr"/>
+          <a:lstStyle/>
+          <a:p>
+            <a:pPr algn="ctr"/>
+            <a:r>
+              <a:rPr lang="cs-CZ" sz="1400"/>
+              <a:t>Vyčtení teploty</a:t>
+            </a:r>
+          </a:p>
+          <a:p>
+            <a:pPr algn="ctr"/>
+            <a:endParaRPr lang="cs-CZ" sz="788"/>
+          </a:p>
+        </p:txBody>
+      </p:sp>
+      <p:sp>
+        <p:nvSpPr>
+          <p:cNvPr id="9" name="Obdélník 12">
+            <a:extLst>
+              <a:ext uri="{FF2B5EF4-FFF2-40B4-BE49-F238E27FC236}">
+                <a16:creationId xmlns:a16="http://schemas.microsoft.com/office/drawing/2014/main" id="{288BB78F-CF01-517C-6C95-F9A167C98D27}"/>
+              </a:ext>
+            </a:extLst>
+          </p:cNvPr>
+          <p:cNvSpPr/>
+          <p:nvPr/>
+        </p:nvSpPr>
+        <p:spPr>
+          <a:xfrm>
+            <a:off x="1362001" y="1534528"/>
+            <a:ext cx="2332477" cy="822635"/>
+          </a:xfrm>
+          <a:prstGeom prst="rect">
+            <a:avLst/>
+          </a:prstGeom>
+          <a:noFill/>
+          <a:ln>
+            <a:solidFill>
+              <a:schemeClr val="tx1"/>
+            </a:solidFill>
+          </a:ln>
+        </p:spPr>
+        <p:style>
+          <a:lnRef idx="2">
+            <a:schemeClr val="accent1">
+              <a:shade val="50000"/>
+            </a:schemeClr>
+          </a:lnRef>
+          <a:fillRef idx="1">
+            <a:schemeClr val="accent1"/>
+          </a:fillRef>
+          <a:effectRef idx="0">
+            <a:schemeClr val="accent1"/>
+          </a:effectRef>
+          <a:fontRef idx="minor">
+            <a:schemeClr val="lt1"/>
+          </a:fontRef>
+        </p:style>
+        <p:txBody>
+          <a:bodyPr lIns="51435" tIns="25718" rIns="51435" bIns="25718" rtlCol="0" anchor="ctr"/>
+          <a:lstStyle/>
+          <a:p>
+            <a:pPr algn="ctr"/>
+            <a:r>
+              <a:rPr lang="cs-CZ">
                 <a:solidFill>
                   <a:schemeClr val="tx1"/>
                 </a:solidFill>
-                <a:latin typeface="Technika-Bold" panose="00000600000000000000" pitchFamily="50" charset="-18"/>
-                <a:ea typeface="+mj-ea"/>
-                <a:cs typeface="+mj-cs"/>
-              </a:defRPr>
-            </a:lvl1pPr>
-          </a:lstStyle>
-          <a:p>
-            <a:r>
-              <a:rPr lang="en-US" sz="2400"/>
-              <a:t>Working on diploma thesis</a:t>
-            </a:r>
-            <a:endParaRPr lang="cs-CZ" sz="2400"/>
-          </a:p>
-        </p:txBody>
-      </p:sp>
-      <p:sp>
-        <p:nvSpPr>
-          <p:cNvPr id="2" name="Nadpis 1">
-            <a:extLst>
-              <a:ext uri="{FF2B5EF4-FFF2-40B4-BE49-F238E27FC236}">
-                <a16:creationId xmlns:a16="http://schemas.microsoft.com/office/drawing/2014/main" id="{29ABF839-977A-A087-E291-207A9FA4F226}"/>
-              </a:ext>
-            </a:extLst>
-          </p:cNvPr>
-          <p:cNvSpPr txBox="1">
-            <a:spLocks/>
-          </p:cNvSpPr>
+              </a:rPr>
+              <a:t>Uživatelský příkaz</a:t>
+            </a:r>
+          </a:p>
+          <a:p>
+            <a:pPr algn="ctr"/>
+            <a:endParaRPr lang="cs-CZ" sz="788"/>
+          </a:p>
+        </p:txBody>
+      </p:sp>
+      <p:sp>
+        <p:nvSpPr>
+          <p:cNvPr id="12" name="Obdélník 12">
+            <a:extLst>
+              <a:ext uri="{FF2B5EF4-FFF2-40B4-BE49-F238E27FC236}">
+                <a16:creationId xmlns:a16="http://schemas.microsoft.com/office/drawing/2014/main" id="{054D3418-44B3-D9E4-F08F-482D1DBF6A25}"/>
+              </a:ext>
+            </a:extLst>
+          </p:cNvPr>
+          <p:cNvSpPr/>
           <p:nvPr/>
         </p:nvSpPr>
         <p:spPr>
           <a:xfrm>
-            <a:off x="386142" y="1786302"/>
-            <a:ext cx="5802521" cy="611984"/>
-          </a:xfrm>
-          <a:prstGeom prst="rect">
-            <a:avLst/>
-          </a:prstGeom>
-        </p:spPr>
-        <p:txBody>
-          <a:bodyPr vert="horz" lIns="91440" tIns="45720" rIns="91440" bIns="45720" rtlCol="0" anchor="t">
-            <a:normAutofit/>
-          </a:bodyPr>
-          <a:lstStyle>
-            <a:lvl1pPr algn="l" defTabSz="685766" rtl="0" eaLnBrk="1" latinLnBrk="0" hangingPunct="1">
-              <a:lnSpc>
-                <a:spcPct val="90000"/>
-              </a:lnSpc>
-              <a:spcBef>
-                <a:spcPct val="0"/>
-              </a:spcBef>
-              <a:buNone/>
-              <a:defRPr lang="cs-CZ" sz="3600" b="1" i="0" u="none" strike="noStrike" kern="4800" baseline="0" smtClean="0">
+            <a:off x="4572000" y="1534528"/>
+            <a:ext cx="2332477" cy="822635"/>
+          </a:xfrm>
+          <a:prstGeom prst="rect">
+            <a:avLst/>
+          </a:prstGeom>
+          <a:noFill/>
+          <a:ln>
+            <a:solidFill>
+              <a:schemeClr val="tx1"/>
+            </a:solidFill>
+          </a:ln>
+        </p:spPr>
+        <p:style>
+          <a:lnRef idx="2">
+            <a:schemeClr val="accent1">
+              <a:shade val="50000"/>
+            </a:schemeClr>
+          </a:lnRef>
+          <a:fillRef idx="1">
+            <a:schemeClr val="accent1"/>
+          </a:fillRef>
+          <a:effectRef idx="0">
+            <a:schemeClr val="accent1"/>
+          </a:effectRef>
+          <a:fontRef idx="minor">
+            <a:schemeClr val="lt1"/>
+          </a:fontRef>
+        </p:style>
+        <p:txBody>
+          <a:bodyPr lIns="51435" tIns="25718" rIns="51435" bIns="25718" rtlCol="0" anchor="ctr"/>
+          <a:lstStyle/>
+          <a:p>
+            <a:pPr algn="ctr"/>
+            <a:r>
+              <a:rPr lang="cs-CZ">
                 <a:solidFill>
                   <a:schemeClr val="tx1"/>
                 </a:solidFill>
-                <a:latin typeface="Technika-Bold" panose="00000600000000000000" pitchFamily="50" charset="-18"/>
-                <a:ea typeface="+mj-ea"/>
-                <a:cs typeface="+mj-cs"/>
-              </a:defRPr>
-            </a:lvl1pPr>
-          </a:lstStyle>
-          <a:p>
-            <a:r>
-              <a:rPr lang="en-US" sz="2400"/>
-              <a:t>Mini readout for Timepix2</a:t>
-            </a:r>
-            <a:endParaRPr lang="cs-CZ" sz="2400"/>
-          </a:p>
-        </p:txBody>
-      </p:sp>
-      <p:sp>
-        <p:nvSpPr>
-          <p:cNvPr id="3" name="Nadpis 1">
-            <a:extLst>
-              <a:ext uri="{FF2B5EF4-FFF2-40B4-BE49-F238E27FC236}">
-                <a16:creationId xmlns:a16="http://schemas.microsoft.com/office/drawing/2014/main" id="{8BC6C2EE-8ACB-4BA8-8F0B-156B2D0B1771}"/>
-              </a:ext>
-            </a:extLst>
-          </p:cNvPr>
-          <p:cNvSpPr txBox="1">
-            <a:spLocks/>
-          </p:cNvSpPr>
+              </a:rPr>
+              <a:t>Teplota na desce s Timepix 2 </a:t>
+            </a:r>
+          </a:p>
+          <a:p>
+            <a:pPr algn="ctr"/>
+            <a:endParaRPr lang="cs-CZ" sz="788"/>
+          </a:p>
+        </p:txBody>
+      </p:sp>
+      <p:cxnSp>
+        <p:nvCxnSpPr>
+          <p:cNvPr id="14" name="Přímá spojnice se šipkou 17">
+            <a:extLst>
+              <a:ext uri="{FF2B5EF4-FFF2-40B4-BE49-F238E27FC236}">
+                <a16:creationId xmlns:a16="http://schemas.microsoft.com/office/drawing/2014/main" id="{76E258DA-3F2D-F4D1-A542-BD7DDDAEB21E}"/>
+              </a:ext>
+            </a:extLst>
+          </p:cNvPr>
+          <p:cNvCxnSpPr>
+            <a:cxnSpLocks/>
+            <a:stCxn id="5" idx="2"/>
+            <a:endCxn id="10" idx="0"/>
+          </p:cNvCxnSpPr>
           <p:nvPr/>
-        </p:nvSpPr>
-        <p:spPr>
-          <a:xfrm>
-            <a:off x="386142" y="2264943"/>
-            <a:ext cx="5802521" cy="611984"/>
-          </a:xfrm>
-          <a:prstGeom prst="rect">
-            <a:avLst/>
-          </a:prstGeom>
-        </p:spPr>
-        <p:txBody>
-          <a:bodyPr vert="horz" lIns="91440" tIns="45720" rIns="91440" bIns="45720" rtlCol="0" anchor="t">
-            <a:normAutofit/>
-          </a:bodyPr>
-          <a:lstStyle>
-            <a:lvl1pPr algn="l" defTabSz="685766" rtl="0" eaLnBrk="1" latinLnBrk="0" hangingPunct="1">
-              <a:lnSpc>
-                <a:spcPct val="90000"/>
-              </a:lnSpc>
-              <a:spcBef>
-                <a:spcPct val="0"/>
-              </a:spcBef>
-              <a:buNone/>
-              <a:defRPr lang="cs-CZ" sz="3600" b="1" i="0" u="none" strike="noStrike" kern="4800" baseline="0" smtClean="0">
-                <a:solidFill>
-                  <a:schemeClr val="tx1"/>
-                </a:solidFill>
-                <a:latin typeface="Technika-Bold" panose="00000600000000000000" pitchFamily="50" charset="-18"/>
-                <a:ea typeface="+mj-ea"/>
-                <a:cs typeface="+mj-cs"/>
-              </a:defRPr>
-            </a:lvl1pPr>
-          </a:lstStyle>
-          <a:p>
-            <a:r>
-              <a:rPr lang="en-US" sz="2400"/>
-              <a:t>PCBs:</a:t>
-            </a:r>
-            <a:endParaRPr lang="cs-CZ" sz="2400"/>
-          </a:p>
-        </p:txBody>
-      </p:sp>
-      <p:pic>
-        <p:nvPicPr>
-          <p:cNvPr id="7" name="Obrázek 6" descr="Obsah obrázku elektronika, obvod, Elektronická součástka, Obvodoví součástka&#10;&#10;Popis byl vytvořen automaticky">
-            <a:extLst>
-              <a:ext uri="{FF2B5EF4-FFF2-40B4-BE49-F238E27FC236}">
-                <a16:creationId xmlns:a16="http://schemas.microsoft.com/office/drawing/2014/main" id="{BDD7C8DA-620D-EB06-484A-6887900E0933}"/>
-              </a:ext>
-            </a:extLst>
-          </p:cNvPr>
-          <p:cNvPicPr>
-            <a:picLocks noChangeAspect="1"/>
-          </p:cNvPicPr>
+        </p:nvCxnSpPr>
+        <p:spPr>
+          <a:xfrm>
+            <a:off x="2528240" y="3520448"/>
+            <a:ext cx="2" cy="324374"/>
+          </a:xfrm>
+          <a:prstGeom prst="straightConnector1">
+            <a:avLst/>
+          </a:prstGeom>
+          <a:ln w="28575">
+            <a:solidFill>
+              <a:schemeClr val="tx1"/>
+            </a:solidFill>
+            <a:tailEnd type="triangle"/>
+          </a:ln>
+        </p:spPr>
+        <p:style>
+          <a:lnRef idx="1">
+            <a:schemeClr val="accent1"/>
+          </a:lnRef>
+          <a:fillRef idx="0">
+            <a:schemeClr val="accent1"/>
+          </a:fillRef>
+          <a:effectRef idx="0">
+            <a:schemeClr val="accent1"/>
+          </a:effectRef>
+          <a:fontRef idx="minor">
+            <a:schemeClr val="tx1"/>
+          </a:fontRef>
+        </p:style>
+      </p:cxnSp>
+      <p:cxnSp>
+        <p:nvCxnSpPr>
+          <p:cNvPr id="19" name="Přímá spojnice se šipkou 17">
+            <a:extLst>
+              <a:ext uri="{FF2B5EF4-FFF2-40B4-BE49-F238E27FC236}">
+                <a16:creationId xmlns:a16="http://schemas.microsoft.com/office/drawing/2014/main" id="{43D59F39-B173-F656-8FC0-1905C7DCB98C}"/>
+              </a:ext>
+            </a:extLst>
+          </p:cNvPr>
+          <p:cNvCxnSpPr>
+            <a:cxnSpLocks/>
+            <a:stCxn id="7" idx="0"/>
+            <a:endCxn id="12" idx="2"/>
+          </p:cNvCxnSpPr>
           <p:nvPr/>
-        </p:nvPicPr>
-        <p:blipFill>
-          <a:blip r:embed="rId2">
-            <a:extLst>
-              <a:ext uri="{28A0092B-C50C-407E-A947-70E740481C1C}">
-                <a14:useLocalDpi xmlns:a14="http://schemas.microsoft.com/office/drawing/2010/main" val="0"/>
-              </a:ext>
-            </a:extLst>
-          </a:blip>
-          <a:stretch>
-            <a:fillRect/>
-          </a:stretch>
-        </p:blipFill>
-        <p:spPr>
-          <a:xfrm flipH="1">
-            <a:off x="754318" y="2856277"/>
-            <a:ext cx="3715041" cy="1603438"/>
-          </a:xfrm>
-          <a:prstGeom prst="rect">
-            <a:avLst/>
-          </a:prstGeom>
-        </p:spPr>
-      </p:pic>
-      <p:pic>
-        <p:nvPicPr>
-          <p:cNvPr id="9" name="Obrázek 8" descr="Obsah obrázku elektronika, Elektronická součástka, Obvodoví součástka, Elektronické inženýrství&#10;&#10;Popis byl vytvořen automaticky">
-            <a:extLst>
-              <a:ext uri="{FF2B5EF4-FFF2-40B4-BE49-F238E27FC236}">
-                <a16:creationId xmlns:a16="http://schemas.microsoft.com/office/drawing/2014/main" id="{493B0565-779F-CF6B-F5D6-50FD2880848B}"/>
-              </a:ext>
-            </a:extLst>
-          </p:cNvPr>
-          <p:cNvPicPr>
-            <a:picLocks noChangeAspect="1"/>
-          </p:cNvPicPr>
+        </p:nvCxnSpPr>
+        <p:spPr>
+          <a:xfrm flipV="1">
+            <a:off x="5738236" y="2357163"/>
+            <a:ext cx="3" cy="340650"/>
+          </a:xfrm>
+          <a:prstGeom prst="straightConnector1">
+            <a:avLst/>
+          </a:prstGeom>
+          <a:ln w="28575">
+            <a:solidFill>
+              <a:schemeClr val="tx1"/>
+            </a:solidFill>
+            <a:tailEnd type="triangle"/>
+          </a:ln>
+        </p:spPr>
+        <p:style>
+          <a:lnRef idx="1">
+            <a:schemeClr val="accent1"/>
+          </a:lnRef>
+          <a:fillRef idx="0">
+            <a:schemeClr val="accent1"/>
+          </a:fillRef>
+          <a:effectRef idx="0">
+            <a:schemeClr val="accent1"/>
+          </a:effectRef>
+          <a:fontRef idx="minor">
+            <a:schemeClr val="tx1"/>
+          </a:fontRef>
+        </p:style>
+      </p:cxnSp>
+      <p:cxnSp>
+        <p:nvCxnSpPr>
+          <p:cNvPr id="22" name="Přímá spojnice se šipkou 17">
+            <a:extLst>
+              <a:ext uri="{FF2B5EF4-FFF2-40B4-BE49-F238E27FC236}">
+                <a16:creationId xmlns:a16="http://schemas.microsoft.com/office/drawing/2014/main" id="{E5A71A72-8F10-A488-9151-9C09A3FF0CE3}"/>
+              </a:ext>
+            </a:extLst>
+          </p:cNvPr>
+          <p:cNvCxnSpPr>
+            <a:cxnSpLocks/>
+          </p:cNvCxnSpPr>
           <p:nvPr/>
-        </p:nvPicPr>
-        <p:blipFill>
-          <a:blip r:embed="rId3">
-            <a:extLst>
-              <a:ext uri="{28A0092B-C50C-407E-A947-70E740481C1C}">
-                <a14:useLocalDpi xmlns:a14="http://schemas.microsoft.com/office/drawing/2010/main" val="0"/>
-              </a:ext>
-            </a:extLst>
-          </a:blip>
-          <a:stretch>
-            <a:fillRect/>
-          </a:stretch>
-        </p:blipFill>
-        <p:spPr>
-          <a:xfrm>
-            <a:off x="754317" y="4605213"/>
-            <a:ext cx="3715042" cy="1621645"/>
-          </a:xfrm>
-          <a:prstGeom prst="rect">
-            <a:avLst/>
-          </a:prstGeom>
-        </p:spPr>
-      </p:pic>
-      <p:pic>
-        <p:nvPicPr>
-          <p:cNvPr id="16" name="Obrázek 15" descr="Obsah obrázku elektronika, Elektronická součástka, Obvodoví součástka, obvod&#10;&#10;Popis byl vytvořen automaticky">
-            <a:extLst>
-              <a:ext uri="{FF2B5EF4-FFF2-40B4-BE49-F238E27FC236}">
-                <a16:creationId xmlns:a16="http://schemas.microsoft.com/office/drawing/2014/main" id="{47218947-B384-0D16-354A-85D06C86FF0C}"/>
-              </a:ext>
-            </a:extLst>
-          </p:cNvPr>
-          <p:cNvPicPr>
-            <a:picLocks noChangeAspect="1"/>
-          </p:cNvPicPr>
+        </p:nvCxnSpPr>
+        <p:spPr>
+          <a:xfrm flipV="1">
+            <a:off x="5738233" y="3530245"/>
+            <a:ext cx="3" cy="340650"/>
+          </a:xfrm>
+          <a:prstGeom prst="straightConnector1">
+            <a:avLst/>
+          </a:prstGeom>
+          <a:ln w="28575">
+            <a:solidFill>
+              <a:schemeClr val="tx1"/>
+            </a:solidFill>
+            <a:tailEnd type="triangle"/>
+          </a:ln>
+        </p:spPr>
+        <p:style>
+          <a:lnRef idx="1">
+            <a:schemeClr val="accent1"/>
+          </a:lnRef>
+          <a:fillRef idx="0">
+            <a:schemeClr val="accent1"/>
+          </a:fillRef>
+          <a:effectRef idx="0">
+            <a:schemeClr val="accent1"/>
+          </a:effectRef>
+          <a:fontRef idx="minor">
+            <a:schemeClr val="tx1"/>
+          </a:fontRef>
+        </p:style>
+      </p:cxnSp>
+      <p:cxnSp>
+        <p:nvCxnSpPr>
+          <p:cNvPr id="24" name="Přímá spojnice se šipkou 17">
+            <a:extLst>
+              <a:ext uri="{FF2B5EF4-FFF2-40B4-BE49-F238E27FC236}">
+                <a16:creationId xmlns:a16="http://schemas.microsoft.com/office/drawing/2014/main" id="{551E0EDD-84C7-8B40-B1D8-11ED25B3B34C}"/>
+              </a:ext>
+            </a:extLst>
+          </p:cNvPr>
+          <p:cNvCxnSpPr>
+            <a:cxnSpLocks/>
+            <a:stCxn id="10" idx="3"/>
+            <a:endCxn id="8" idx="1"/>
+          </p:cNvCxnSpPr>
           <p:nvPr/>
-        </p:nvPicPr>
-        <p:blipFill>
-          <a:blip r:embed="rId4">
-            <a:extLst>
-              <a:ext uri="{28A0092B-C50C-407E-A947-70E740481C1C}">
-                <a14:useLocalDpi xmlns:a14="http://schemas.microsoft.com/office/drawing/2010/main" val="0"/>
-              </a:ext>
-            </a:extLst>
-          </a:blip>
-          <a:stretch>
-            <a:fillRect/>
-          </a:stretch>
-        </p:blipFill>
-        <p:spPr>
-          <a:xfrm flipH="1">
-            <a:off x="4742476" y="2876927"/>
-            <a:ext cx="3924833" cy="1603438"/>
-          </a:xfrm>
-          <a:prstGeom prst="rect">
-            <a:avLst/>
-          </a:prstGeom>
-        </p:spPr>
-      </p:pic>
-      <p:pic>
-        <p:nvPicPr>
-          <p:cNvPr id="18" name="Obrázek 17" descr="Obsah obrázku obvod, Elektronická součástka, Obvodoví součástka, Pasivní součástka&#10;&#10;Popis byl vytvořen automaticky">
-            <a:extLst>
-              <a:ext uri="{FF2B5EF4-FFF2-40B4-BE49-F238E27FC236}">
-                <a16:creationId xmlns:a16="http://schemas.microsoft.com/office/drawing/2014/main" id="{E459D89B-346D-7FBF-5209-4BD05AAFA623}"/>
-              </a:ext>
-            </a:extLst>
-          </p:cNvPr>
-          <p:cNvPicPr>
-            <a:picLocks noChangeAspect="1"/>
-          </p:cNvPicPr>
+        </p:nvCxnSpPr>
+        <p:spPr>
+          <a:xfrm>
+            <a:off x="3694483" y="4256140"/>
+            <a:ext cx="877512" cy="0"/>
+          </a:xfrm>
+          <a:prstGeom prst="straightConnector1">
+            <a:avLst/>
+          </a:prstGeom>
+          <a:ln w="28575">
+            <a:solidFill>
+              <a:schemeClr val="tx1"/>
+            </a:solidFill>
+            <a:tailEnd type="triangle"/>
+          </a:ln>
+        </p:spPr>
+        <p:style>
+          <a:lnRef idx="1">
+            <a:schemeClr val="accent1"/>
+          </a:lnRef>
+          <a:fillRef idx="0">
+            <a:schemeClr val="accent1"/>
+          </a:fillRef>
+          <a:effectRef idx="0">
+            <a:schemeClr val="accent1"/>
+          </a:effectRef>
+          <a:fontRef idx="minor">
+            <a:schemeClr val="tx1"/>
+          </a:fontRef>
+        </p:style>
+      </p:cxnSp>
+      <p:cxnSp>
+        <p:nvCxnSpPr>
+          <p:cNvPr id="37" name="Přímá spojnice 36">
+            <a:extLst>
+              <a:ext uri="{FF2B5EF4-FFF2-40B4-BE49-F238E27FC236}">
+                <a16:creationId xmlns:a16="http://schemas.microsoft.com/office/drawing/2014/main" id="{8384CF60-D125-CD47-B70E-EA5E548F285E}"/>
+              </a:ext>
+            </a:extLst>
+          </p:cNvPr>
+          <p:cNvCxnSpPr>
+            <a:cxnSpLocks/>
+          </p:cNvCxnSpPr>
           <p:nvPr/>
-        </p:nvPicPr>
-        <p:blipFill>
-          <a:blip r:embed="rId5">
-            <a:extLst>
-              <a:ext uri="{28A0092B-C50C-407E-A947-70E740481C1C}">
-                <a14:useLocalDpi xmlns:a14="http://schemas.microsoft.com/office/drawing/2010/main" val="0"/>
-              </a:ext>
-            </a:extLst>
-          </a:blip>
-          <a:stretch>
-            <a:fillRect/>
-          </a:stretch>
-        </p:blipFill>
-        <p:spPr>
-          <a:xfrm>
-            <a:off x="4742476" y="4676683"/>
-            <a:ext cx="3836124" cy="1478703"/>
-          </a:xfrm>
-          <a:prstGeom prst="rect">
-            <a:avLst/>
-          </a:prstGeom>
-        </p:spPr>
-      </p:pic>
-      <p:sp>
-        <p:nvSpPr>
-          <p:cNvPr id="19" name="Nadpis 1">
-            <a:extLst>
-              <a:ext uri="{FF2B5EF4-FFF2-40B4-BE49-F238E27FC236}">
-                <a16:creationId xmlns:a16="http://schemas.microsoft.com/office/drawing/2014/main" id="{22D18833-DB88-3EA3-51DE-0F1085981A16}"/>
-              </a:ext>
-            </a:extLst>
-          </p:cNvPr>
-          <p:cNvSpPr txBox="1">
-            <a:spLocks/>
-          </p:cNvSpPr>
-          <p:nvPr/>
-        </p:nvSpPr>
-        <p:spPr>
-          <a:xfrm>
-            <a:off x="1936274" y="2410441"/>
-            <a:ext cx="1680286" cy="611984"/>
-          </a:xfrm>
-          <a:prstGeom prst="rect">
-            <a:avLst/>
-          </a:prstGeom>
-        </p:spPr>
-        <p:txBody>
-          <a:bodyPr vert="horz" lIns="91440" tIns="45720" rIns="91440" bIns="45720" rtlCol="0" anchor="t">
-            <a:normAutofit fontScale="92500"/>
-          </a:bodyPr>
-          <a:lstStyle>
-            <a:lvl1pPr algn="l" defTabSz="685766" rtl="0" eaLnBrk="1" latinLnBrk="0" hangingPunct="1">
-              <a:lnSpc>
-                <a:spcPct val="90000"/>
-              </a:lnSpc>
-              <a:spcBef>
-                <a:spcPct val="0"/>
-              </a:spcBef>
-              <a:buNone/>
-              <a:defRPr lang="cs-CZ" sz="3600" b="1" i="0" u="none" strike="noStrike" kern="4800" baseline="0" smtClean="0">
-                <a:solidFill>
-                  <a:schemeClr val="tx1"/>
-                </a:solidFill>
-                <a:latin typeface="Technika-Bold" panose="00000600000000000000" pitchFamily="50" charset="-18"/>
-                <a:ea typeface="+mj-ea"/>
-                <a:cs typeface="+mj-cs"/>
-              </a:defRPr>
-            </a:lvl1pPr>
-          </a:lstStyle>
-          <a:p>
-            <a:r>
-              <a:rPr lang="en-US" sz="2400"/>
-              <a:t>Mainboard</a:t>
-            </a:r>
-            <a:endParaRPr lang="cs-CZ" sz="2400"/>
-          </a:p>
-        </p:txBody>
-      </p:sp>
-      <p:sp>
-        <p:nvSpPr>
-          <p:cNvPr id="20" name="Nadpis 1">
-            <a:extLst>
-              <a:ext uri="{FF2B5EF4-FFF2-40B4-BE49-F238E27FC236}">
-                <a16:creationId xmlns:a16="http://schemas.microsoft.com/office/drawing/2014/main" id="{AACE1EA9-BAB6-8E1E-6655-EA45AF2057F5}"/>
-              </a:ext>
-            </a:extLst>
-          </p:cNvPr>
-          <p:cNvSpPr txBox="1">
-            <a:spLocks/>
-          </p:cNvSpPr>
-          <p:nvPr/>
-        </p:nvSpPr>
-        <p:spPr>
-          <a:xfrm>
-            <a:off x="5919151" y="2443621"/>
-            <a:ext cx="1680286" cy="611984"/>
-          </a:xfrm>
-          <a:prstGeom prst="rect">
-            <a:avLst/>
-          </a:prstGeom>
-        </p:spPr>
-        <p:txBody>
-          <a:bodyPr vert="horz" lIns="91440" tIns="45720" rIns="91440" bIns="45720" rtlCol="0" anchor="t">
-            <a:normAutofit fontScale="92500"/>
-          </a:bodyPr>
-          <a:lstStyle>
-            <a:lvl1pPr algn="l" defTabSz="685766" rtl="0" eaLnBrk="1" latinLnBrk="0" hangingPunct="1">
-              <a:lnSpc>
-                <a:spcPct val="90000"/>
-              </a:lnSpc>
-              <a:spcBef>
-                <a:spcPct val="0"/>
-              </a:spcBef>
-              <a:buNone/>
-              <a:defRPr lang="cs-CZ" sz="3600" b="1" i="0" u="none" strike="noStrike" kern="4800" baseline="0" smtClean="0">
-                <a:solidFill>
-                  <a:schemeClr val="tx1"/>
-                </a:solidFill>
-                <a:latin typeface="Technika-Bold" panose="00000600000000000000" pitchFamily="50" charset="-18"/>
-                <a:ea typeface="+mj-ea"/>
-                <a:cs typeface="+mj-cs"/>
-              </a:defRPr>
-            </a:lvl1pPr>
-          </a:lstStyle>
-          <a:p>
-            <a:r>
-              <a:rPr lang="en-US" sz="2400"/>
-              <a:t>Chipboard</a:t>
-            </a:r>
-            <a:endParaRPr lang="cs-CZ" sz="2400"/>
-          </a:p>
-        </p:txBody>
-      </p:sp>
-      <p:sp>
-        <p:nvSpPr>
-          <p:cNvPr id="21" name="Nadpis 1">
-            <a:extLst>
-              <a:ext uri="{FF2B5EF4-FFF2-40B4-BE49-F238E27FC236}">
-                <a16:creationId xmlns:a16="http://schemas.microsoft.com/office/drawing/2014/main" id="{8345F722-ED41-1BFD-2F68-5A44FF954B5B}"/>
-              </a:ext>
-            </a:extLst>
-          </p:cNvPr>
-          <p:cNvSpPr txBox="1">
-            <a:spLocks/>
-          </p:cNvSpPr>
-          <p:nvPr/>
-        </p:nvSpPr>
-        <p:spPr>
-          <a:xfrm>
-            <a:off x="2263830" y="5872167"/>
-            <a:ext cx="1231853" cy="403982"/>
-          </a:xfrm>
-          <a:prstGeom prst="rect">
-            <a:avLst/>
-          </a:prstGeom>
-        </p:spPr>
-        <p:txBody>
-          <a:bodyPr vert="horz" lIns="91440" tIns="45720" rIns="91440" bIns="45720" rtlCol="0" anchor="t">
-            <a:normAutofit/>
-          </a:bodyPr>
-          <a:lstStyle>
-            <a:lvl1pPr algn="l" defTabSz="685766" rtl="0" eaLnBrk="1" latinLnBrk="0" hangingPunct="1">
-              <a:lnSpc>
-                <a:spcPct val="90000"/>
-              </a:lnSpc>
-              <a:spcBef>
-                <a:spcPct val="0"/>
-              </a:spcBef>
-              <a:buNone/>
-              <a:defRPr lang="cs-CZ" sz="3600" b="1" i="0" u="none" strike="noStrike" kern="4800" baseline="0" smtClean="0">
-                <a:solidFill>
-                  <a:schemeClr val="tx1"/>
-                </a:solidFill>
-                <a:latin typeface="Technika-Bold" panose="00000600000000000000" pitchFamily="50" charset="-18"/>
-                <a:ea typeface="+mj-ea"/>
-                <a:cs typeface="+mj-cs"/>
-              </a:defRPr>
-            </a:lvl1pPr>
-          </a:lstStyle>
-          <a:p>
-            <a:r>
-              <a:rPr lang="en-US" sz="1800"/>
-              <a:t>TOP</a:t>
-            </a:r>
-            <a:endParaRPr lang="cs-CZ" sz="1800"/>
-          </a:p>
-        </p:txBody>
-      </p:sp>
-      <p:sp>
-        <p:nvSpPr>
-          <p:cNvPr id="22" name="Nadpis 1">
-            <a:extLst>
-              <a:ext uri="{FF2B5EF4-FFF2-40B4-BE49-F238E27FC236}">
-                <a16:creationId xmlns:a16="http://schemas.microsoft.com/office/drawing/2014/main" id="{BFDFF684-ED9E-BBE7-989E-23100C3F8B9E}"/>
-              </a:ext>
-            </a:extLst>
-          </p:cNvPr>
-          <p:cNvSpPr txBox="1">
-            <a:spLocks/>
-          </p:cNvSpPr>
-          <p:nvPr/>
-        </p:nvSpPr>
-        <p:spPr>
-          <a:xfrm>
-            <a:off x="6188663" y="5933632"/>
-            <a:ext cx="1231853" cy="403982"/>
-          </a:xfrm>
-          <a:prstGeom prst="rect">
-            <a:avLst/>
-          </a:prstGeom>
-        </p:spPr>
-        <p:txBody>
-          <a:bodyPr vert="horz" lIns="91440" tIns="45720" rIns="91440" bIns="45720" rtlCol="0" anchor="t">
-            <a:normAutofit/>
-          </a:bodyPr>
-          <a:lstStyle>
-            <a:lvl1pPr algn="l" defTabSz="685766" rtl="0" eaLnBrk="1" latinLnBrk="0" hangingPunct="1">
-              <a:lnSpc>
-                <a:spcPct val="90000"/>
-              </a:lnSpc>
-              <a:spcBef>
-                <a:spcPct val="0"/>
-              </a:spcBef>
-              <a:buNone/>
-              <a:defRPr lang="cs-CZ" sz="3600" b="1" i="0" u="none" strike="noStrike" kern="4800" baseline="0" smtClean="0">
-                <a:solidFill>
-                  <a:schemeClr val="tx1"/>
-                </a:solidFill>
-                <a:latin typeface="Technika-Bold" panose="00000600000000000000" pitchFamily="50" charset="-18"/>
-                <a:ea typeface="+mj-ea"/>
-                <a:cs typeface="+mj-cs"/>
-              </a:defRPr>
-            </a:lvl1pPr>
-          </a:lstStyle>
-          <a:p>
-            <a:r>
-              <a:rPr lang="en-US" sz="1800"/>
-              <a:t>TOP</a:t>
-            </a:r>
-            <a:endParaRPr lang="cs-CZ" sz="1800"/>
-          </a:p>
-        </p:txBody>
-      </p:sp>
-      <p:sp>
-        <p:nvSpPr>
-          <p:cNvPr id="23" name="Nadpis 1">
-            <a:extLst>
-              <a:ext uri="{FF2B5EF4-FFF2-40B4-BE49-F238E27FC236}">
-                <a16:creationId xmlns:a16="http://schemas.microsoft.com/office/drawing/2014/main" id="{EC6249DD-8552-1E00-C65F-871AF4CDD0EA}"/>
-              </a:ext>
-            </a:extLst>
-          </p:cNvPr>
-          <p:cNvSpPr txBox="1">
-            <a:spLocks/>
-          </p:cNvSpPr>
-          <p:nvPr/>
-        </p:nvSpPr>
-        <p:spPr>
-          <a:xfrm>
-            <a:off x="6188663" y="4247783"/>
-            <a:ext cx="1231853" cy="403982"/>
-          </a:xfrm>
-          <a:prstGeom prst="rect">
-            <a:avLst/>
-          </a:prstGeom>
-        </p:spPr>
-        <p:txBody>
-          <a:bodyPr vert="horz" lIns="91440" tIns="45720" rIns="91440" bIns="45720" rtlCol="0" anchor="t">
-            <a:normAutofit/>
-          </a:bodyPr>
-          <a:lstStyle>
-            <a:lvl1pPr algn="l" defTabSz="685766" rtl="0" eaLnBrk="1" latinLnBrk="0" hangingPunct="1">
-              <a:lnSpc>
-                <a:spcPct val="90000"/>
-              </a:lnSpc>
-              <a:spcBef>
-                <a:spcPct val="0"/>
-              </a:spcBef>
-              <a:buNone/>
-              <a:defRPr lang="cs-CZ" sz="3600" b="1" i="0" u="none" strike="noStrike" kern="4800" baseline="0" smtClean="0">
-                <a:solidFill>
-                  <a:schemeClr val="tx1"/>
-                </a:solidFill>
-                <a:latin typeface="Technika-Bold" panose="00000600000000000000" pitchFamily="50" charset="-18"/>
-                <a:ea typeface="+mj-ea"/>
-                <a:cs typeface="+mj-cs"/>
-              </a:defRPr>
-            </a:lvl1pPr>
-          </a:lstStyle>
-          <a:p>
-            <a:r>
-              <a:rPr lang="en-US" sz="1800"/>
-              <a:t>BOT</a:t>
-            </a:r>
-            <a:endParaRPr lang="cs-CZ" sz="1800"/>
-          </a:p>
-        </p:txBody>
-      </p:sp>
-      <p:sp>
-        <p:nvSpPr>
-          <p:cNvPr id="24" name="Nadpis 1">
-            <a:extLst>
-              <a:ext uri="{FF2B5EF4-FFF2-40B4-BE49-F238E27FC236}">
-                <a16:creationId xmlns:a16="http://schemas.microsoft.com/office/drawing/2014/main" id="{F14EADAE-0914-3B8B-D59F-BF021FDAEC26}"/>
-              </a:ext>
-            </a:extLst>
-          </p:cNvPr>
-          <p:cNvSpPr txBox="1">
-            <a:spLocks/>
-          </p:cNvSpPr>
-          <p:nvPr/>
-        </p:nvSpPr>
-        <p:spPr>
-          <a:xfrm>
-            <a:off x="2263830" y="4128519"/>
-            <a:ext cx="1231853" cy="403982"/>
-          </a:xfrm>
-          <a:prstGeom prst="rect">
-            <a:avLst/>
-          </a:prstGeom>
-        </p:spPr>
-        <p:txBody>
-          <a:bodyPr vert="horz" lIns="91440" tIns="45720" rIns="91440" bIns="45720" rtlCol="0" anchor="t">
-            <a:normAutofit/>
-          </a:bodyPr>
-          <a:lstStyle>
-            <a:lvl1pPr algn="l" defTabSz="685766" rtl="0" eaLnBrk="1" latinLnBrk="0" hangingPunct="1">
-              <a:lnSpc>
-                <a:spcPct val="90000"/>
-              </a:lnSpc>
-              <a:spcBef>
-                <a:spcPct val="0"/>
-              </a:spcBef>
-              <a:buNone/>
-              <a:defRPr lang="cs-CZ" sz="3600" b="1" i="0" u="none" strike="noStrike" kern="4800" baseline="0" smtClean="0">
-                <a:solidFill>
-                  <a:schemeClr val="tx1"/>
-                </a:solidFill>
-                <a:latin typeface="Technika-Bold" panose="00000600000000000000" pitchFamily="50" charset="-18"/>
-                <a:ea typeface="+mj-ea"/>
-                <a:cs typeface="+mj-cs"/>
-              </a:defRPr>
-            </a:lvl1pPr>
-          </a:lstStyle>
-          <a:p>
-            <a:r>
-              <a:rPr lang="en-US" sz="1800"/>
-              <a:t>BOT</a:t>
-            </a:r>
-            <a:endParaRPr lang="cs-CZ" sz="1800"/>
-          </a:p>
-        </p:txBody>
-      </p:sp>
+        </p:nvCxnSpPr>
+        <p:spPr>
+          <a:xfrm>
+            <a:off x="4133239" y="1534528"/>
+            <a:ext cx="0" cy="2370746"/>
+          </a:xfrm>
+          <a:prstGeom prst="line">
+            <a:avLst/>
+          </a:prstGeom>
+          <a:ln w="19050" cap="flat" cmpd="sng" algn="ctr">
+            <a:solidFill>
+              <a:schemeClr val="dk1"/>
+            </a:solidFill>
+            <a:prstDash val="dash"/>
+            <a:round/>
+            <a:headEnd type="none" w="med" len="med"/>
+            <a:tailEnd type="none" w="med" len="med"/>
+          </a:ln>
+        </p:spPr>
+        <p:style>
+          <a:lnRef idx="0">
+            <a:scrgbClr r="0" g="0" b="0"/>
+          </a:lnRef>
+          <a:fillRef idx="0">
+            <a:scrgbClr r="0" g="0" b="0"/>
+          </a:fillRef>
+          <a:effectRef idx="0">
+            <a:scrgbClr r="0" g="0" b="0"/>
+          </a:effectRef>
+          <a:fontRef idx="minor">
+            <a:schemeClr val="tx1"/>
+          </a:fontRef>
+        </p:style>
+      </p:cxnSp>
     </p:spTree>
     <p:extLst>
       <p:ext uri="{BB962C8B-B14F-4D97-AF65-F5344CB8AC3E}">
-        <p14:creationId xmlns:p14="http://schemas.microsoft.com/office/powerpoint/2010/main" val="1738269230"/>
+        <p14:creationId xmlns:p14="http://schemas.microsoft.com/office/powerpoint/2010/main" val="37903286"/>
       </p:ext>
     </p:extLst>
   </p:cSld>
@@ -5689,10 +6327,10 @@
       </p:sp>
       <p:sp>
         <p:nvSpPr>
-          <p:cNvPr id="12" name="Nadpis 1">
-            <a:extLst>
-              <a:ext uri="{FF2B5EF4-FFF2-40B4-BE49-F238E27FC236}">
-                <a16:creationId xmlns:a16="http://schemas.microsoft.com/office/drawing/2014/main" id="{4E52B82B-935A-39C7-4CCE-A762179AC311}"/>
+          <p:cNvPr id="3" name="Nadpis 1">
+            <a:extLst>
+              <a:ext uri="{FF2B5EF4-FFF2-40B4-BE49-F238E27FC236}">
+                <a16:creationId xmlns:a16="http://schemas.microsoft.com/office/drawing/2014/main" id="{8BC6C2EE-8ACB-4BA8-8F0B-156B2D0B1771}"/>
               </a:ext>
             </a:extLst>
           </p:cNvPr>
@@ -5703,7 +6341,7 @@
         </p:nvSpPr>
         <p:spPr>
           <a:xfrm>
-            <a:off x="386141" y="2500553"/>
+            <a:off x="386142" y="2264943"/>
             <a:ext cx="5802521" cy="611984"/>
           </a:xfrm>
           <a:prstGeom prst="rect">
@@ -5736,140 +6374,490 @@
           <a:p>
             <a:r>
               <a:rPr lang="en-US" sz="2400"/>
-              <a:t>Properties of device:</a:t>
+              <a:t>PCBs:</a:t>
             </a:r>
             <a:endParaRPr lang="cs-CZ" sz="2400"/>
           </a:p>
         </p:txBody>
       </p:sp>
-      <p:sp>
-        <p:nvSpPr>
-          <p:cNvPr id="7" name="TextovéPole 6">
-            <a:extLst>
-              <a:ext uri="{FF2B5EF4-FFF2-40B4-BE49-F238E27FC236}">
-                <a16:creationId xmlns:a16="http://schemas.microsoft.com/office/drawing/2014/main" id="{A87FDA42-07A6-157B-BB6F-3FBB6EF4DFEC}"/>
-              </a:ext>
-            </a:extLst>
-          </p:cNvPr>
-          <p:cNvSpPr txBox="1"/>
+      <p:pic>
+        <p:nvPicPr>
+          <p:cNvPr id="7" name="Obrázek 6" descr="Obsah obrázku elektronika, obvod, Elektronická součástka, Obvodoví součástka&#10;&#10;Popis byl vytvořen automaticky">
+            <a:extLst>
+              <a:ext uri="{FF2B5EF4-FFF2-40B4-BE49-F238E27FC236}">
+                <a16:creationId xmlns:a16="http://schemas.microsoft.com/office/drawing/2014/main" id="{BDD7C8DA-620D-EB06-484A-6887900E0933}"/>
+              </a:ext>
+            </a:extLst>
+          </p:cNvPr>
+          <p:cNvPicPr>
+            <a:picLocks noChangeAspect="1"/>
+          </p:cNvPicPr>
           <p:nvPr/>
-        </p:nvSpPr>
-        <p:spPr>
-          <a:xfrm>
-            <a:off x="531845" y="3112537"/>
-            <a:ext cx="6769802" cy="2308324"/>
-          </a:xfrm>
-          <a:prstGeom prst="rect">
-            <a:avLst/>
-          </a:prstGeom>
-          <a:noFill/>
-        </p:spPr>
-        <p:txBody>
-          <a:bodyPr wrap="none" rtlCol="0">
-            <a:spAutoFit/>
+        </p:nvPicPr>
+        <p:blipFill>
+          <a:blip r:embed="rId2">
+            <a:extLst>
+              <a:ext uri="{28A0092B-C50C-407E-A947-70E740481C1C}">
+                <a14:useLocalDpi xmlns:a14="http://schemas.microsoft.com/office/drawing/2010/main" val="0"/>
+              </a:ext>
+            </a:extLst>
+          </a:blip>
+          <a:stretch>
+            <a:fillRect/>
+          </a:stretch>
+        </p:blipFill>
+        <p:spPr>
+          <a:xfrm flipH="1">
+            <a:off x="754318" y="2856277"/>
+            <a:ext cx="3715041" cy="1603438"/>
+          </a:xfrm>
+          <a:prstGeom prst="rect">
+            <a:avLst/>
+          </a:prstGeom>
+        </p:spPr>
+      </p:pic>
+      <p:pic>
+        <p:nvPicPr>
+          <p:cNvPr id="9" name="Obrázek 8" descr="Obsah obrázku elektronika, Elektronická součástka, Obvodoví součástka, Elektronické inženýrství&#10;&#10;Popis byl vytvořen automaticky">
+            <a:extLst>
+              <a:ext uri="{FF2B5EF4-FFF2-40B4-BE49-F238E27FC236}">
+                <a16:creationId xmlns:a16="http://schemas.microsoft.com/office/drawing/2014/main" id="{493B0565-779F-CF6B-F5D6-50FD2880848B}"/>
+              </a:ext>
+            </a:extLst>
+          </p:cNvPr>
+          <p:cNvPicPr>
+            <a:picLocks noChangeAspect="1"/>
+          </p:cNvPicPr>
+          <p:nvPr/>
+        </p:nvPicPr>
+        <p:blipFill>
+          <a:blip r:embed="rId3">
+            <a:extLst>
+              <a:ext uri="{28A0092B-C50C-407E-A947-70E740481C1C}">
+                <a14:useLocalDpi xmlns:a14="http://schemas.microsoft.com/office/drawing/2010/main" val="0"/>
+              </a:ext>
+            </a:extLst>
+          </a:blip>
+          <a:stretch>
+            <a:fillRect/>
+          </a:stretch>
+        </p:blipFill>
+        <p:spPr>
+          <a:xfrm>
+            <a:off x="754317" y="4605213"/>
+            <a:ext cx="3715042" cy="1621645"/>
+          </a:xfrm>
+          <a:prstGeom prst="rect">
+            <a:avLst/>
+          </a:prstGeom>
+        </p:spPr>
+      </p:pic>
+      <p:pic>
+        <p:nvPicPr>
+          <p:cNvPr id="16" name="Obrázek 15" descr="Obsah obrázku elektronika, Elektronická součástka, Obvodoví součástka, obvod&#10;&#10;Popis byl vytvořen automaticky">
+            <a:extLst>
+              <a:ext uri="{FF2B5EF4-FFF2-40B4-BE49-F238E27FC236}">
+                <a16:creationId xmlns:a16="http://schemas.microsoft.com/office/drawing/2014/main" id="{47218947-B384-0D16-354A-85D06C86FF0C}"/>
+              </a:ext>
+            </a:extLst>
+          </p:cNvPr>
+          <p:cNvPicPr>
+            <a:picLocks noChangeAspect="1"/>
+          </p:cNvPicPr>
+          <p:nvPr/>
+        </p:nvPicPr>
+        <p:blipFill>
+          <a:blip r:embed="rId4">
+            <a:extLst>
+              <a:ext uri="{28A0092B-C50C-407E-A947-70E740481C1C}">
+                <a14:useLocalDpi xmlns:a14="http://schemas.microsoft.com/office/drawing/2010/main" val="0"/>
+              </a:ext>
+            </a:extLst>
+          </a:blip>
+          <a:stretch>
+            <a:fillRect/>
+          </a:stretch>
+        </p:blipFill>
+        <p:spPr>
+          <a:xfrm flipH="1">
+            <a:off x="4742476" y="2876927"/>
+            <a:ext cx="3924833" cy="1603438"/>
+          </a:xfrm>
+          <a:prstGeom prst="rect">
+            <a:avLst/>
+          </a:prstGeom>
+        </p:spPr>
+      </p:pic>
+      <p:pic>
+        <p:nvPicPr>
+          <p:cNvPr id="18" name="Obrázek 17" descr="Obsah obrázku obvod, Elektronická součástka, Obvodoví součástka, Pasivní součástka&#10;&#10;Popis byl vytvořen automaticky">
+            <a:extLst>
+              <a:ext uri="{FF2B5EF4-FFF2-40B4-BE49-F238E27FC236}">
+                <a16:creationId xmlns:a16="http://schemas.microsoft.com/office/drawing/2014/main" id="{E459D89B-346D-7FBF-5209-4BD05AAFA623}"/>
+              </a:ext>
+            </a:extLst>
+          </p:cNvPr>
+          <p:cNvPicPr>
+            <a:picLocks noChangeAspect="1"/>
+          </p:cNvPicPr>
+          <p:nvPr/>
+        </p:nvPicPr>
+        <p:blipFill>
+          <a:blip r:embed="rId5">
+            <a:extLst>
+              <a:ext uri="{28A0092B-C50C-407E-A947-70E740481C1C}">
+                <a14:useLocalDpi xmlns:a14="http://schemas.microsoft.com/office/drawing/2010/main" val="0"/>
+              </a:ext>
+            </a:extLst>
+          </a:blip>
+          <a:stretch>
+            <a:fillRect/>
+          </a:stretch>
+        </p:blipFill>
+        <p:spPr>
+          <a:xfrm>
+            <a:off x="4742476" y="4676683"/>
+            <a:ext cx="3836124" cy="1478703"/>
+          </a:xfrm>
+          <a:prstGeom prst="rect">
+            <a:avLst/>
+          </a:prstGeom>
+        </p:spPr>
+      </p:pic>
+      <p:sp>
+        <p:nvSpPr>
+          <p:cNvPr id="19" name="Nadpis 1">
+            <a:extLst>
+              <a:ext uri="{FF2B5EF4-FFF2-40B4-BE49-F238E27FC236}">
+                <a16:creationId xmlns:a16="http://schemas.microsoft.com/office/drawing/2014/main" id="{22D18833-DB88-3EA3-51DE-0F1085981A16}"/>
+              </a:ext>
+            </a:extLst>
+          </p:cNvPr>
+          <p:cNvSpPr txBox="1">
+            <a:spLocks/>
+          </p:cNvSpPr>
+          <p:nvPr/>
+        </p:nvSpPr>
+        <p:spPr>
+          <a:xfrm>
+            <a:off x="1936274" y="2410441"/>
+            <a:ext cx="1680286" cy="611984"/>
+          </a:xfrm>
+          <a:prstGeom prst="rect">
+            <a:avLst/>
+          </a:prstGeom>
+        </p:spPr>
+        <p:txBody>
+          <a:bodyPr vert="horz" lIns="91440" tIns="45720" rIns="91440" bIns="45720" rtlCol="0" anchor="t">
+            <a:normAutofit fontScale="92500"/>
           </a:bodyPr>
-          <a:lstStyle/>
-          <a:p>
-            <a:pPr marL="285750" indent="-285750">
-              <a:buFont typeface="Arial" panose="020B0604020202020204" pitchFamily="34" charset="0"/>
-              <a:buChar char="•"/>
-            </a:pPr>
-            <a:r>
-              <a:rPr lang="en-US"/>
-              <a:t>Interface: USB - type C</a:t>
-            </a:r>
-          </a:p>
-          <a:p>
-            <a:pPr marL="285750" indent="-285750">
-              <a:buFont typeface="Arial" panose="020B0604020202020204" pitchFamily="34" charset="0"/>
-              <a:buChar char="•"/>
-            </a:pPr>
-            <a:r>
-              <a:rPr lang="en-US"/>
-              <a:t>Comm. speed : USB High Speed: 480 Mbps</a:t>
-            </a:r>
-          </a:p>
-          <a:p>
-            <a:pPr marL="285750" indent="-285750">
-              <a:buFont typeface="Arial" panose="020B0604020202020204" pitchFamily="34" charset="0"/>
-              <a:buChar char="•"/>
-            </a:pPr>
-            <a:r>
-              <a:rPr lang="en-US"/>
-              <a:t>Timepix2 readout speed : up to 50 MHz</a:t>
-            </a:r>
-          </a:p>
-          <a:p>
-            <a:pPr marL="285750" indent="-285750">
-              <a:buFont typeface="Arial" panose="020B0604020202020204" pitchFamily="34" charset="0"/>
-              <a:buChar char="•"/>
-            </a:pPr>
-            <a:r>
-              <a:rPr lang="en-US"/>
-              <a:t>HV source: 30 – 150 V</a:t>
-            </a:r>
-          </a:p>
-          <a:p>
-            <a:pPr marL="285750" indent="-285750">
-              <a:buFont typeface="Arial" panose="020B0604020202020204" pitchFamily="34" charset="0"/>
-              <a:buChar char="•"/>
-            </a:pPr>
-            <a:r>
-              <a:rPr lang="en-US"/>
-              <a:t>Power consumption low as possible: first test -&gt; 350 </a:t>
-            </a:r>
-            <a:r>
-              <a:rPr lang="en-US" err="1"/>
-              <a:t>mW</a:t>
-            </a:r>
-            <a:endParaRPr lang="en-US"/>
-          </a:p>
-          <a:p>
-            <a:pPr marL="285750" indent="-285750">
-              <a:buFont typeface="Arial" panose="020B0604020202020204" pitchFamily="34" charset="0"/>
-              <a:buChar char="•"/>
-            </a:pPr>
-            <a:r>
-              <a:rPr lang="en-US"/>
-              <a:t>MCU : STM32U5A9 : Arm Cortex-M33</a:t>
-            </a:r>
-          </a:p>
-          <a:p>
-            <a:pPr marL="1200150" lvl="2" indent="-285750">
-              <a:buFont typeface="Arial" panose="020B0604020202020204" pitchFamily="34" charset="0"/>
-              <a:buChar char="•"/>
-            </a:pPr>
-            <a:r>
-              <a:rPr lang="en-US"/>
-              <a:t>RAM: 2.44MB, Flash: 4MB, 160 </a:t>
-            </a:r>
-            <a:r>
-              <a:rPr lang="en-US" err="1"/>
-              <a:t>Mhz</a:t>
-            </a:r>
-            <a:endParaRPr lang="en-US"/>
-          </a:p>
-          <a:p>
-            <a:pPr marL="285750" indent="-285750">
-              <a:buFont typeface="Arial" panose="020B0604020202020204" pitchFamily="34" charset="0"/>
-              <a:buChar char="•"/>
-            </a:pPr>
-            <a:r>
-              <a:rPr lang="cs-CZ" err="1"/>
-              <a:t>Dimension</a:t>
-            </a:r>
-            <a:r>
-              <a:rPr lang="en-US"/>
-              <a:t> of device : 70 x 20 x 15 mm</a:t>
-            </a:r>
-            <a:endParaRPr lang="cs-CZ"/>
+          <a:lstStyle>
+            <a:lvl1pPr algn="l" defTabSz="685766" rtl="0" eaLnBrk="1" latinLnBrk="0" hangingPunct="1">
+              <a:lnSpc>
+                <a:spcPct val="90000"/>
+              </a:lnSpc>
+              <a:spcBef>
+                <a:spcPct val="0"/>
+              </a:spcBef>
+              <a:buNone/>
+              <a:defRPr lang="cs-CZ" sz="3600" b="1" i="0" u="none" strike="noStrike" kern="4800" baseline="0" smtClean="0">
+                <a:solidFill>
+                  <a:schemeClr val="tx1"/>
+                </a:solidFill>
+                <a:latin typeface="Technika-Bold" panose="00000600000000000000" pitchFamily="50" charset="-18"/>
+                <a:ea typeface="+mj-ea"/>
+                <a:cs typeface="+mj-cs"/>
+              </a:defRPr>
+            </a:lvl1pPr>
+          </a:lstStyle>
+          <a:p>
+            <a:r>
+              <a:rPr lang="en-US" sz="2400"/>
+              <a:t>Mainboard</a:t>
+            </a:r>
+            <a:endParaRPr lang="cs-CZ" sz="2400"/>
+          </a:p>
+        </p:txBody>
+      </p:sp>
+      <p:sp>
+        <p:nvSpPr>
+          <p:cNvPr id="20" name="Nadpis 1">
+            <a:extLst>
+              <a:ext uri="{FF2B5EF4-FFF2-40B4-BE49-F238E27FC236}">
+                <a16:creationId xmlns:a16="http://schemas.microsoft.com/office/drawing/2014/main" id="{AACE1EA9-BAB6-8E1E-6655-EA45AF2057F5}"/>
+              </a:ext>
+            </a:extLst>
+          </p:cNvPr>
+          <p:cNvSpPr txBox="1">
+            <a:spLocks/>
+          </p:cNvSpPr>
+          <p:nvPr/>
+        </p:nvSpPr>
+        <p:spPr>
+          <a:xfrm>
+            <a:off x="5919151" y="2443621"/>
+            <a:ext cx="1680286" cy="611984"/>
+          </a:xfrm>
+          <a:prstGeom prst="rect">
+            <a:avLst/>
+          </a:prstGeom>
+        </p:spPr>
+        <p:txBody>
+          <a:bodyPr vert="horz" lIns="91440" tIns="45720" rIns="91440" bIns="45720" rtlCol="0" anchor="t">
+            <a:normAutofit fontScale="92500"/>
+          </a:bodyPr>
+          <a:lstStyle>
+            <a:lvl1pPr algn="l" defTabSz="685766" rtl="0" eaLnBrk="1" latinLnBrk="0" hangingPunct="1">
+              <a:lnSpc>
+                <a:spcPct val="90000"/>
+              </a:lnSpc>
+              <a:spcBef>
+                <a:spcPct val="0"/>
+              </a:spcBef>
+              <a:buNone/>
+              <a:defRPr lang="cs-CZ" sz="3600" b="1" i="0" u="none" strike="noStrike" kern="4800" baseline="0" smtClean="0">
+                <a:solidFill>
+                  <a:schemeClr val="tx1"/>
+                </a:solidFill>
+                <a:latin typeface="Technika-Bold" panose="00000600000000000000" pitchFamily="50" charset="-18"/>
+                <a:ea typeface="+mj-ea"/>
+                <a:cs typeface="+mj-cs"/>
+              </a:defRPr>
+            </a:lvl1pPr>
+          </a:lstStyle>
+          <a:p>
+            <a:r>
+              <a:rPr lang="en-US" sz="2400"/>
+              <a:t>Chipboard</a:t>
+            </a:r>
+            <a:endParaRPr lang="cs-CZ" sz="2400"/>
+          </a:p>
+        </p:txBody>
+      </p:sp>
+      <p:sp>
+        <p:nvSpPr>
+          <p:cNvPr id="21" name="Nadpis 1">
+            <a:extLst>
+              <a:ext uri="{FF2B5EF4-FFF2-40B4-BE49-F238E27FC236}">
+                <a16:creationId xmlns:a16="http://schemas.microsoft.com/office/drawing/2014/main" id="{8345F722-ED41-1BFD-2F68-5A44FF954B5B}"/>
+              </a:ext>
+            </a:extLst>
+          </p:cNvPr>
+          <p:cNvSpPr txBox="1">
+            <a:spLocks/>
+          </p:cNvSpPr>
+          <p:nvPr/>
+        </p:nvSpPr>
+        <p:spPr>
+          <a:xfrm>
+            <a:off x="2263830" y="5872167"/>
+            <a:ext cx="1231853" cy="403982"/>
+          </a:xfrm>
+          <a:prstGeom prst="rect">
+            <a:avLst/>
+          </a:prstGeom>
+        </p:spPr>
+        <p:txBody>
+          <a:bodyPr vert="horz" lIns="91440" tIns="45720" rIns="91440" bIns="45720" rtlCol="0" anchor="t">
+            <a:normAutofit/>
+          </a:bodyPr>
+          <a:lstStyle>
+            <a:lvl1pPr algn="l" defTabSz="685766" rtl="0" eaLnBrk="1" latinLnBrk="0" hangingPunct="1">
+              <a:lnSpc>
+                <a:spcPct val="90000"/>
+              </a:lnSpc>
+              <a:spcBef>
+                <a:spcPct val="0"/>
+              </a:spcBef>
+              <a:buNone/>
+              <a:defRPr lang="cs-CZ" sz="3600" b="1" i="0" u="none" strike="noStrike" kern="4800" baseline="0" smtClean="0">
+                <a:solidFill>
+                  <a:schemeClr val="tx1"/>
+                </a:solidFill>
+                <a:latin typeface="Technika-Bold" panose="00000600000000000000" pitchFamily="50" charset="-18"/>
+                <a:ea typeface="+mj-ea"/>
+                <a:cs typeface="+mj-cs"/>
+              </a:defRPr>
+            </a:lvl1pPr>
+          </a:lstStyle>
+          <a:p>
+            <a:r>
+              <a:rPr lang="en-US" sz="1800"/>
+              <a:t>TOP</a:t>
+            </a:r>
+            <a:endParaRPr lang="cs-CZ" sz="1800"/>
+          </a:p>
+        </p:txBody>
+      </p:sp>
+      <p:sp>
+        <p:nvSpPr>
+          <p:cNvPr id="22" name="Nadpis 1">
+            <a:extLst>
+              <a:ext uri="{FF2B5EF4-FFF2-40B4-BE49-F238E27FC236}">
+                <a16:creationId xmlns:a16="http://schemas.microsoft.com/office/drawing/2014/main" id="{BFDFF684-ED9E-BBE7-989E-23100C3F8B9E}"/>
+              </a:ext>
+            </a:extLst>
+          </p:cNvPr>
+          <p:cNvSpPr txBox="1">
+            <a:spLocks/>
+          </p:cNvSpPr>
+          <p:nvPr/>
+        </p:nvSpPr>
+        <p:spPr>
+          <a:xfrm>
+            <a:off x="6188663" y="5933632"/>
+            <a:ext cx="1231853" cy="403982"/>
+          </a:xfrm>
+          <a:prstGeom prst="rect">
+            <a:avLst/>
+          </a:prstGeom>
+        </p:spPr>
+        <p:txBody>
+          <a:bodyPr vert="horz" lIns="91440" tIns="45720" rIns="91440" bIns="45720" rtlCol="0" anchor="t">
+            <a:normAutofit/>
+          </a:bodyPr>
+          <a:lstStyle>
+            <a:lvl1pPr algn="l" defTabSz="685766" rtl="0" eaLnBrk="1" latinLnBrk="0" hangingPunct="1">
+              <a:lnSpc>
+                <a:spcPct val="90000"/>
+              </a:lnSpc>
+              <a:spcBef>
+                <a:spcPct val="0"/>
+              </a:spcBef>
+              <a:buNone/>
+              <a:defRPr lang="cs-CZ" sz="3600" b="1" i="0" u="none" strike="noStrike" kern="4800" baseline="0" smtClean="0">
+                <a:solidFill>
+                  <a:schemeClr val="tx1"/>
+                </a:solidFill>
+                <a:latin typeface="Technika-Bold" panose="00000600000000000000" pitchFamily="50" charset="-18"/>
+                <a:ea typeface="+mj-ea"/>
+                <a:cs typeface="+mj-cs"/>
+              </a:defRPr>
+            </a:lvl1pPr>
+          </a:lstStyle>
+          <a:p>
+            <a:r>
+              <a:rPr lang="en-US" sz="1800"/>
+              <a:t>TOP</a:t>
+            </a:r>
+            <a:endParaRPr lang="cs-CZ" sz="1800"/>
+          </a:p>
+        </p:txBody>
+      </p:sp>
+      <p:sp>
+        <p:nvSpPr>
+          <p:cNvPr id="23" name="Nadpis 1">
+            <a:extLst>
+              <a:ext uri="{FF2B5EF4-FFF2-40B4-BE49-F238E27FC236}">
+                <a16:creationId xmlns:a16="http://schemas.microsoft.com/office/drawing/2014/main" id="{EC6249DD-8552-1E00-C65F-871AF4CDD0EA}"/>
+              </a:ext>
+            </a:extLst>
+          </p:cNvPr>
+          <p:cNvSpPr txBox="1">
+            <a:spLocks/>
+          </p:cNvSpPr>
+          <p:nvPr/>
+        </p:nvSpPr>
+        <p:spPr>
+          <a:xfrm>
+            <a:off x="6188663" y="4247783"/>
+            <a:ext cx="1231853" cy="403982"/>
+          </a:xfrm>
+          <a:prstGeom prst="rect">
+            <a:avLst/>
+          </a:prstGeom>
+        </p:spPr>
+        <p:txBody>
+          <a:bodyPr vert="horz" lIns="91440" tIns="45720" rIns="91440" bIns="45720" rtlCol="0" anchor="t">
+            <a:normAutofit/>
+          </a:bodyPr>
+          <a:lstStyle>
+            <a:lvl1pPr algn="l" defTabSz="685766" rtl="0" eaLnBrk="1" latinLnBrk="0" hangingPunct="1">
+              <a:lnSpc>
+                <a:spcPct val="90000"/>
+              </a:lnSpc>
+              <a:spcBef>
+                <a:spcPct val="0"/>
+              </a:spcBef>
+              <a:buNone/>
+              <a:defRPr lang="cs-CZ" sz="3600" b="1" i="0" u="none" strike="noStrike" kern="4800" baseline="0" smtClean="0">
+                <a:solidFill>
+                  <a:schemeClr val="tx1"/>
+                </a:solidFill>
+                <a:latin typeface="Technika-Bold" panose="00000600000000000000" pitchFamily="50" charset="-18"/>
+                <a:ea typeface="+mj-ea"/>
+                <a:cs typeface="+mj-cs"/>
+              </a:defRPr>
+            </a:lvl1pPr>
+          </a:lstStyle>
+          <a:p>
+            <a:r>
+              <a:rPr lang="en-US" sz="1800"/>
+              <a:t>BOT</a:t>
+            </a:r>
+            <a:endParaRPr lang="cs-CZ" sz="1800"/>
+          </a:p>
+        </p:txBody>
+      </p:sp>
+      <p:sp>
+        <p:nvSpPr>
+          <p:cNvPr id="24" name="Nadpis 1">
+            <a:extLst>
+              <a:ext uri="{FF2B5EF4-FFF2-40B4-BE49-F238E27FC236}">
+                <a16:creationId xmlns:a16="http://schemas.microsoft.com/office/drawing/2014/main" id="{F14EADAE-0914-3B8B-D59F-BF021FDAEC26}"/>
+              </a:ext>
+            </a:extLst>
+          </p:cNvPr>
+          <p:cNvSpPr txBox="1">
+            <a:spLocks/>
+          </p:cNvSpPr>
+          <p:nvPr/>
+        </p:nvSpPr>
+        <p:spPr>
+          <a:xfrm>
+            <a:off x="2263830" y="4128519"/>
+            <a:ext cx="1231853" cy="403982"/>
+          </a:xfrm>
+          <a:prstGeom prst="rect">
+            <a:avLst/>
+          </a:prstGeom>
+        </p:spPr>
+        <p:txBody>
+          <a:bodyPr vert="horz" lIns="91440" tIns="45720" rIns="91440" bIns="45720" rtlCol="0" anchor="t">
+            <a:normAutofit/>
+          </a:bodyPr>
+          <a:lstStyle>
+            <a:lvl1pPr algn="l" defTabSz="685766" rtl="0" eaLnBrk="1" latinLnBrk="0" hangingPunct="1">
+              <a:lnSpc>
+                <a:spcPct val="90000"/>
+              </a:lnSpc>
+              <a:spcBef>
+                <a:spcPct val="0"/>
+              </a:spcBef>
+              <a:buNone/>
+              <a:defRPr lang="cs-CZ" sz="3600" b="1" i="0" u="none" strike="noStrike" kern="4800" baseline="0" smtClean="0">
+                <a:solidFill>
+                  <a:schemeClr val="tx1"/>
+                </a:solidFill>
+                <a:latin typeface="Technika-Bold" panose="00000600000000000000" pitchFamily="50" charset="-18"/>
+                <a:ea typeface="+mj-ea"/>
+                <a:cs typeface="+mj-cs"/>
+              </a:defRPr>
+            </a:lvl1pPr>
+          </a:lstStyle>
+          <a:p>
+            <a:r>
+              <a:rPr lang="en-US" sz="1800"/>
+              <a:t>BOT</a:t>
+            </a:r>
+            <a:endParaRPr lang="cs-CZ" sz="1800"/>
           </a:p>
         </p:txBody>
       </p:sp>
     </p:spTree>
     <p:extLst>
       <p:ext uri="{BB962C8B-B14F-4D97-AF65-F5344CB8AC3E}">
-        <p14:creationId xmlns:p14="http://schemas.microsoft.com/office/powerpoint/2010/main" val="2804466344"/>
+        <p14:creationId xmlns:p14="http://schemas.microsoft.com/office/powerpoint/2010/main" val="1738269230"/>
       </p:ext>
     </p:extLst>
   </p:cSld>
@@ -6056,7 +7044,7 @@
         </p:nvSpPr>
         <p:spPr>
           <a:xfrm>
-            <a:off x="386141" y="2281821"/>
+            <a:off x="386141" y="2500553"/>
             <a:ext cx="5802521" cy="611984"/>
           </a:xfrm>
           <a:prstGeom prst="rect">
@@ -6089,54 +7077,18 @@
           <a:p>
             <a:r>
               <a:rPr lang="en-US" sz="2400"/>
-              <a:t>Progress:</a:t>
+              <a:t>Properties of device:</a:t>
             </a:r>
             <a:endParaRPr lang="cs-CZ" sz="2400"/>
           </a:p>
         </p:txBody>
       </p:sp>
-      <p:pic>
-        <p:nvPicPr>
-          <p:cNvPr id="10" name="Obrázek 9" descr="Obsah obrázku elektronika, Elektronická součástka, Obvodoví součástka, Pasivní součástka&#10;&#10;Popis byl vytvořen automaticky">
-            <a:extLst>
-              <a:ext uri="{FF2B5EF4-FFF2-40B4-BE49-F238E27FC236}">
-                <a16:creationId xmlns:a16="http://schemas.microsoft.com/office/drawing/2014/main" id="{8AF8808F-3FA0-3999-85EC-02CFA653B2F6}"/>
-              </a:ext>
-            </a:extLst>
-          </p:cNvPr>
-          <p:cNvPicPr>
-            <a:picLocks noChangeAspect="1"/>
-          </p:cNvPicPr>
-          <p:nvPr/>
-        </p:nvPicPr>
-        <p:blipFill>
-          <a:blip r:embed="rId2">
-            <a:extLst>
-              <a:ext uri="{28A0092B-C50C-407E-A947-70E740481C1C}">
-                <a14:useLocalDpi xmlns:a14="http://schemas.microsoft.com/office/drawing/2010/main" val="0"/>
-              </a:ext>
-            </a:extLst>
-          </a:blip>
-          <a:stretch>
-            <a:fillRect/>
-          </a:stretch>
-        </p:blipFill>
-        <p:spPr>
-          <a:xfrm>
-            <a:off x="4295383" y="2731073"/>
-            <a:ext cx="4462476" cy="3130931"/>
-          </a:xfrm>
-          <a:prstGeom prst="rect">
-            <a:avLst/>
-          </a:prstGeom>
-        </p:spPr>
-      </p:pic>
-      <p:sp>
-        <p:nvSpPr>
-          <p:cNvPr id="13" name="TextovéPole 12">
-            <a:extLst>
-              <a:ext uri="{FF2B5EF4-FFF2-40B4-BE49-F238E27FC236}">
-                <a16:creationId xmlns:a16="http://schemas.microsoft.com/office/drawing/2014/main" id="{F98B4AD4-82D6-E457-3196-C7D49CC628B9}"/>
+      <p:sp>
+        <p:nvSpPr>
+          <p:cNvPr id="7" name="TextovéPole 6">
+            <a:extLst>
+              <a:ext uri="{FF2B5EF4-FFF2-40B4-BE49-F238E27FC236}">
+                <a16:creationId xmlns:a16="http://schemas.microsoft.com/office/drawing/2014/main" id="{A87FDA42-07A6-157B-BB6F-3FBB6EF4DFEC}"/>
               </a:ext>
             </a:extLst>
           </p:cNvPr>
@@ -6145,8 +7097,8 @@
         </p:nvSpPr>
         <p:spPr>
           <a:xfrm>
-            <a:off x="513184" y="2893805"/>
-            <a:ext cx="3720890" cy="923330"/>
+            <a:off x="531845" y="3112537"/>
+            <a:ext cx="6769802" cy="2308324"/>
           </a:xfrm>
           <a:prstGeom prst="rect">
             <a:avLst/>
@@ -6165,13 +7117,8 @@
             </a:pPr>
             <a:r>
               <a:rPr lang="en-US"/>
-              <a:t>Digital test of Timepix2: OK</a:t>
-            </a:r>
-            <a:r>
-              <a:rPr lang="cs-CZ"/>
-              <a:t> </a:t>
-            </a:r>
-            <a:endParaRPr lang="en-US"/>
+              <a:t>Interface: USB - type C</a:t>
+            </a:r>
           </a:p>
           <a:p>
             <a:pPr marL="285750" indent="-285750">
@@ -6180,7 +7127,7 @@
             </a:pPr>
             <a:r>
               <a:rPr lang="en-US"/>
-              <a:t>USB : Virtual COM port: OK</a:t>
+              <a:t>Comm. speed : USB High Speed: 480 Mbps</a:t>
             </a:r>
           </a:p>
           <a:p>
@@ -6190,95 +7137,9 @@
             </a:pPr>
             <a:r>
               <a:rPr lang="en-US"/>
-              <a:t>HV: OK </a:t>
-            </a:r>
-          </a:p>
-        </p:txBody>
-      </p:sp>
-      <p:sp>
-        <p:nvSpPr>
-          <p:cNvPr id="14" name="Nadpis 1">
-            <a:extLst>
-              <a:ext uri="{FF2B5EF4-FFF2-40B4-BE49-F238E27FC236}">
-                <a16:creationId xmlns:a16="http://schemas.microsoft.com/office/drawing/2014/main" id="{237B5DC1-8E11-AC1F-7C4C-39FE35250677}"/>
-              </a:ext>
-            </a:extLst>
-          </p:cNvPr>
-          <p:cNvSpPr txBox="1">
-            <a:spLocks/>
-          </p:cNvSpPr>
-          <p:nvPr/>
-        </p:nvSpPr>
-        <p:spPr>
-          <a:xfrm>
-            <a:off x="513184" y="4098111"/>
-            <a:ext cx="5802521" cy="611984"/>
-          </a:xfrm>
-          <a:prstGeom prst="rect">
-            <a:avLst/>
-          </a:prstGeom>
-        </p:spPr>
-        <p:txBody>
-          <a:bodyPr vert="horz" lIns="91440" tIns="45720" rIns="91440" bIns="45720" rtlCol="0" anchor="t">
-            <a:normAutofit/>
-          </a:bodyPr>
-          <a:lstStyle>
-            <a:lvl1pPr algn="l" defTabSz="685766" rtl="0" eaLnBrk="1" latinLnBrk="0" hangingPunct="1">
-              <a:lnSpc>
-                <a:spcPct val="90000"/>
-              </a:lnSpc>
-              <a:spcBef>
-                <a:spcPct val="0"/>
-              </a:spcBef>
-              <a:buNone/>
-              <a:defRPr lang="cs-CZ" sz="3600" b="1" i="0" u="none" strike="noStrike" kern="4800" baseline="0" smtClean="0">
-                <a:solidFill>
-                  <a:schemeClr val="tx1"/>
-                </a:solidFill>
-                <a:latin typeface="Technika-Bold" panose="00000600000000000000" pitchFamily="50" charset="-18"/>
-                <a:ea typeface="+mj-ea"/>
-                <a:cs typeface="+mj-cs"/>
-              </a:defRPr>
-            </a:lvl1pPr>
-          </a:lstStyle>
-          <a:p>
-            <a:r>
-              <a:rPr lang="en-US" sz="2400"/>
-              <a:t>TODO:</a:t>
-            </a:r>
-          </a:p>
-          <a:p>
-            <a:endParaRPr lang="cs-CZ" sz="2400"/>
-          </a:p>
-        </p:txBody>
-      </p:sp>
-      <p:sp>
-        <p:nvSpPr>
-          <p:cNvPr id="15" name="TextovéPole 14">
-            <a:extLst>
-              <a:ext uri="{FF2B5EF4-FFF2-40B4-BE49-F238E27FC236}">
-                <a16:creationId xmlns:a16="http://schemas.microsoft.com/office/drawing/2014/main" id="{11C5D756-1641-9D48-CA38-CC3A6652DE0B}"/>
-              </a:ext>
-            </a:extLst>
-          </p:cNvPr>
-          <p:cNvSpPr txBox="1"/>
-          <p:nvPr/>
-        </p:nvSpPr>
-        <p:spPr>
-          <a:xfrm>
-            <a:off x="558864" y="4525429"/>
-            <a:ext cx="2751074" cy="646331"/>
-          </a:xfrm>
-          <a:prstGeom prst="rect">
-            <a:avLst/>
-          </a:prstGeom>
-          <a:noFill/>
-        </p:spPr>
-        <p:txBody>
-          <a:bodyPr wrap="none" rtlCol="0">
-            <a:spAutoFit/>
-          </a:bodyPr>
-          <a:lstStyle/>
+              <a:t>Timepix2 readout speed : up to 50 MHz</a:t>
+            </a:r>
+          </a:p>
           <a:p>
             <a:pPr marL="285750" indent="-285750">
               <a:buFont typeface="Arial" panose="020B0604020202020204" pitchFamily="34" charset="0"/>
@@ -6286,13 +7147,8 @@
             </a:pPr>
             <a:r>
               <a:rPr lang="en-US"/>
-              <a:t>Connect to </a:t>
-            </a:r>
-            <a:r>
-              <a:rPr lang="en-US" err="1"/>
-              <a:t>TrackLab</a:t>
-            </a:r>
-            <a:endParaRPr lang="en-US"/>
+              <a:t>HV source: 30 – 150 V</a:t>
+            </a:r>
           </a:p>
           <a:p>
             <a:pPr marL="285750" indent="-285750">
@@ -6301,122 +7157,60 @@
             </a:pPr>
             <a:r>
               <a:rPr lang="en-US"/>
-              <a:t>Housing</a:t>
-            </a:r>
-          </a:p>
-        </p:txBody>
-      </p:sp>
-      <p:sp>
-        <p:nvSpPr>
-          <p:cNvPr id="16" name="Nadpis 1">
-            <a:extLst>
-              <a:ext uri="{FF2B5EF4-FFF2-40B4-BE49-F238E27FC236}">
-                <a16:creationId xmlns:a16="http://schemas.microsoft.com/office/drawing/2014/main" id="{A6A8148C-4F9B-F022-5519-3D2F1756A0C4}"/>
-              </a:ext>
-            </a:extLst>
-          </p:cNvPr>
-          <p:cNvSpPr txBox="1">
-            <a:spLocks/>
-          </p:cNvSpPr>
-          <p:nvPr/>
-        </p:nvSpPr>
-        <p:spPr>
-          <a:xfrm>
-            <a:off x="558864" y="5390507"/>
-            <a:ext cx="5802521" cy="1201475"/>
-          </a:xfrm>
-          <a:prstGeom prst="rect">
-            <a:avLst/>
-          </a:prstGeom>
-        </p:spPr>
-        <p:txBody>
-          <a:bodyPr vert="horz" lIns="91440" tIns="45720" rIns="91440" bIns="45720" rtlCol="0" anchor="t">
-            <a:normAutofit lnSpcReduction="10000"/>
-          </a:bodyPr>
-          <a:lstStyle>
-            <a:lvl1pPr algn="l" defTabSz="685766" rtl="0" eaLnBrk="1" latinLnBrk="0" hangingPunct="1">
-              <a:lnSpc>
-                <a:spcPct val="90000"/>
-              </a:lnSpc>
-              <a:spcBef>
-                <a:spcPct val="0"/>
-              </a:spcBef>
-              <a:buNone/>
-              <a:defRPr lang="cs-CZ" sz="3600" b="1" i="0" u="none" strike="noStrike" kern="4800" baseline="0" smtClean="0">
-                <a:solidFill>
-                  <a:schemeClr val="tx1"/>
-                </a:solidFill>
-                <a:latin typeface="Technika-Bold" panose="00000600000000000000" pitchFamily="50" charset="-18"/>
-                <a:ea typeface="+mj-ea"/>
-                <a:cs typeface="+mj-cs"/>
-              </a:defRPr>
-            </a:lvl1pPr>
-          </a:lstStyle>
-          <a:p>
-            <a:r>
-              <a:rPr lang="cs-CZ" sz="2400" err="1"/>
-              <a:t>Thanks</a:t>
-            </a:r>
-            <a:r>
-              <a:rPr lang="cs-CZ" sz="2400"/>
-              <a:t> to:</a:t>
-            </a:r>
-          </a:p>
-          <a:p>
-            <a:r>
-              <a:rPr lang="cs-CZ" sz="2000"/>
-              <a:t>Milan </a:t>
-            </a:r>
-            <a:r>
-              <a:rPr lang="cs-CZ" sz="2000" err="1"/>
-              <a:t>Malich</a:t>
-            </a:r>
-            <a:r>
-              <a:rPr lang="cs-CZ" sz="2000"/>
-              <a:t>, Pavel Skoták, </a:t>
-            </a:r>
-          </a:p>
-          <a:p>
-            <a:r>
-              <a:rPr lang="cs-CZ" sz="2000"/>
-              <a:t>Michael Holík, Martin </a:t>
-            </a:r>
-            <a:r>
-              <a:rPr lang="cs-CZ" sz="2000" err="1"/>
-              <a:t>Oblrich</a:t>
-            </a:r>
-            <a:r>
-              <a:rPr lang="cs-CZ" sz="2000"/>
-              <a:t>,</a:t>
-            </a:r>
-          </a:p>
-          <a:p>
-            <a:r>
-              <a:rPr lang="cs-CZ" sz="2000"/>
-              <a:t>Petr Burian, Petr </a:t>
-            </a:r>
-            <a:r>
-              <a:rPr lang="cs-CZ" sz="2000" err="1"/>
-              <a:t>Smolyanskiy</a:t>
-            </a:r>
-            <a:r>
-              <a:rPr lang="cs-CZ" sz="2000"/>
-              <a:t> </a:t>
-            </a:r>
-            <a:endParaRPr lang="cs-CZ" sz="2400"/>
-          </a:p>
-          <a:p>
-            <a:endParaRPr lang="en-US" sz="2400"/>
-          </a:p>
-          <a:p>
-            <a:endParaRPr lang="cs-CZ" sz="2400"/>
+              <a:t>Power consumption low as possible: first test -&gt; 350 </a:t>
+            </a:r>
+            <a:r>
+              <a:rPr lang="en-US" err="1"/>
+              <a:t>mW</a:t>
+            </a:r>
+            <a:endParaRPr lang="en-US"/>
+          </a:p>
+          <a:p>
+            <a:pPr marL="285750" indent="-285750">
+              <a:buFont typeface="Arial" panose="020B0604020202020204" pitchFamily="34" charset="0"/>
+              <a:buChar char="•"/>
+            </a:pPr>
+            <a:r>
+              <a:rPr lang="en-US"/>
+              <a:t>MCU : STM32U5A9 : Arm Cortex-M33</a:t>
+            </a:r>
+          </a:p>
+          <a:p>
+            <a:pPr marL="1200150" lvl="2" indent="-285750">
+              <a:buFont typeface="Arial" panose="020B0604020202020204" pitchFamily="34" charset="0"/>
+              <a:buChar char="•"/>
+            </a:pPr>
+            <a:r>
+              <a:rPr lang="en-US"/>
+              <a:t>RAM: 2.44MB, Flash: 4MB, 160 </a:t>
+            </a:r>
+            <a:r>
+              <a:rPr lang="en-US" err="1"/>
+              <a:t>Mhz</a:t>
+            </a:r>
+            <a:endParaRPr lang="en-US"/>
+          </a:p>
+          <a:p>
+            <a:pPr marL="285750" indent="-285750">
+              <a:buFont typeface="Arial" panose="020B0604020202020204" pitchFamily="34" charset="0"/>
+              <a:buChar char="•"/>
+            </a:pPr>
+            <a:r>
+              <a:rPr lang="cs-CZ" err="1"/>
+              <a:t>Dimension</a:t>
+            </a:r>
+            <a:r>
+              <a:rPr lang="en-US"/>
+              <a:t> of device : 70 x 20 x 15 mm</a:t>
+            </a:r>
+            <a:endParaRPr lang="cs-CZ"/>
           </a:p>
         </p:txBody>
       </p:sp>
     </p:spTree>
     <p:extLst>
       <p:ext uri="{BB962C8B-B14F-4D97-AF65-F5344CB8AC3E}">
-        <p14:creationId xmlns:p14="http://schemas.microsoft.com/office/powerpoint/2010/main" val="4013139232"/>
+        <p14:creationId xmlns:p14="http://schemas.microsoft.com/office/powerpoint/2010/main" val="2804466344"/>
       </p:ext>
     </p:extLst>
   </p:cSld>
@@ -6636,311 +7430,18 @@
           <a:p>
             <a:r>
               <a:rPr lang="en-US" sz="2400"/>
-              <a:t>Testing of chipboard:</a:t>
+              <a:t>Progress:</a:t>
             </a:r>
             <a:endParaRPr lang="cs-CZ" sz="2400"/>
           </a:p>
         </p:txBody>
       </p:sp>
-      <p:sp>
-        <p:nvSpPr>
-          <p:cNvPr id="3" name="Obdélník 12">
-            <a:extLst>
-              <a:ext uri="{FF2B5EF4-FFF2-40B4-BE49-F238E27FC236}">
-                <a16:creationId xmlns:a16="http://schemas.microsoft.com/office/drawing/2014/main" id="{DD5DBED5-0960-D328-EAC7-098FF815B317}"/>
-              </a:ext>
-            </a:extLst>
-          </p:cNvPr>
-          <p:cNvSpPr/>
-          <p:nvPr/>
-        </p:nvSpPr>
-        <p:spPr>
-          <a:xfrm>
-            <a:off x="1108860" y="3111441"/>
-            <a:ext cx="1842469" cy="1096985"/>
-          </a:xfrm>
-          <a:prstGeom prst="rect">
-            <a:avLst/>
-          </a:prstGeom>
-          <a:solidFill>
-            <a:schemeClr val="tx1"/>
-          </a:solidFill>
-        </p:spPr>
-        <p:style>
-          <a:lnRef idx="2">
-            <a:schemeClr val="accent1">
-              <a:shade val="50000"/>
-            </a:schemeClr>
-          </a:lnRef>
-          <a:fillRef idx="1">
-            <a:schemeClr val="accent1"/>
-          </a:fillRef>
-          <a:effectRef idx="0">
-            <a:schemeClr val="accent1"/>
-          </a:effectRef>
-          <a:fontRef idx="minor">
-            <a:schemeClr val="lt1"/>
-          </a:fontRef>
-        </p:style>
-        <p:txBody>
-          <a:bodyPr lIns="51435" tIns="25718" rIns="51435" bIns="25718" rtlCol="0" anchor="ctr"/>
-          <a:lstStyle/>
-          <a:p>
-            <a:pPr algn="ctr"/>
-            <a:r>
-              <a:rPr lang="en-US" sz="2000"/>
-              <a:t>Katherine</a:t>
-            </a:r>
-          </a:p>
-          <a:p>
-            <a:pPr algn="ctr"/>
-            <a:r>
-              <a:rPr lang="en-US" sz="2000"/>
-              <a:t>For</a:t>
-            </a:r>
-          </a:p>
-          <a:p>
-            <a:pPr algn="ctr"/>
-            <a:r>
-              <a:rPr lang="en-US" sz="2000"/>
-              <a:t>Timepix2 </a:t>
-            </a:r>
-            <a:endParaRPr lang="cs-CZ" sz="2000"/>
-          </a:p>
-          <a:p>
-            <a:pPr algn="ctr"/>
-            <a:endParaRPr lang="cs-CZ" sz="788"/>
-          </a:p>
-        </p:txBody>
-      </p:sp>
-      <p:cxnSp>
-        <p:nvCxnSpPr>
-          <p:cNvPr id="6" name="Přímá spojnice se šipkou 16">
-            <a:extLst>
-              <a:ext uri="{FF2B5EF4-FFF2-40B4-BE49-F238E27FC236}">
-                <a16:creationId xmlns:a16="http://schemas.microsoft.com/office/drawing/2014/main" id="{9AF90579-16BB-3DEC-3C9D-17C848D9DE7D}"/>
-              </a:ext>
-            </a:extLst>
-          </p:cNvPr>
-          <p:cNvCxnSpPr>
-            <a:cxnSpLocks/>
-          </p:cNvCxnSpPr>
-          <p:nvPr/>
-        </p:nvCxnSpPr>
-        <p:spPr>
-          <a:xfrm flipV="1">
-            <a:off x="2949095" y="3656504"/>
-            <a:ext cx="380619" cy="3429"/>
-          </a:xfrm>
-          <a:prstGeom prst="straightConnector1">
-            <a:avLst/>
-          </a:prstGeom>
-          <a:ln w="28575">
-            <a:solidFill>
-              <a:schemeClr val="tx1"/>
-            </a:solidFill>
-            <a:tailEnd type="triangle"/>
-          </a:ln>
-        </p:spPr>
-        <p:style>
-          <a:lnRef idx="1">
-            <a:schemeClr val="accent1"/>
-          </a:lnRef>
-          <a:fillRef idx="0">
-            <a:schemeClr val="accent1"/>
-          </a:fillRef>
-          <a:effectRef idx="0">
-            <a:schemeClr val="accent1"/>
-          </a:effectRef>
-          <a:fontRef idx="minor">
-            <a:schemeClr val="tx1"/>
-          </a:fontRef>
-        </p:style>
-      </p:cxnSp>
-      <p:sp>
-        <p:nvSpPr>
-          <p:cNvPr id="7" name="Obdélník 12">
-            <a:extLst>
-              <a:ext uri="{FF2B5EF4-FFF2-40B4-BE49-F238E27FC236}">
-                <a16:creationId xmlns:a16="http://schemas.microsoft.com/office/drawing/2014/main" id="{D5FF7020-8EDE-6F4C-87CF-45B8929D34E5}"/>
-              </a:ext>
-            </a:extLst>
-          </p:cNvPr>
-          <p:cNvSpPr/>
-          <p:nvPr/>
-        </p:nvSpPr>
-        <p:spPr>
-          <a:xfrm>
-            <a:off x="5581844" y="3104582"/>
-            <a:ext cx="1490876" cy="1096985"/>
-          </a:xfrm>
-          <a:prstGeom prst="rect">
-            <a:avLst/>
-          </a:prstGeom>
-          <a:solidFill>
-            <a:schemeClr val="tx1"/>
-          </a:solidFill>
-        </p:spPr>
-        <p:style>
-          <a:lnRef idx="2">
-            <a:schemeClr val="accent1">
-              <a:shade val="50000"/>
-            </a:schemeClr>
-          </a:lnRef>
-          <a:fillRef idx="1">
-            <a:schemeClr val="accent1"/>
-          </a:fillRef>
-          <a:effectRef idx="0">
-            <a:schemeClr val="accent1"/>
-          </a:effectRef>
-          <a:fontRef idx="minor">
-            <a:schemeClr val="lt1"/>
-          </a:fontRef>
-        </p:style>
-        <p:txBody>
-          <a:bodyPr lIns="51435" tIns="25718" rIns="51435" bIns="25718" rtlCol="0" anchor="ctr"/>
-          <a:lstStyle/>
-          <a:p>
-            <a:pPr algn="ctr"/>
-            <a:r>
-              <a:rPr lang="en-US" sz="2000"/>
-              <a:t>Chipboard</a:t>
-            </a:r>
-          </a:p>
-          <a:p>
-            <a:pPr algn="ctr"/>
-            <a:r>
-              <a:rPr lang="en-US" sz="2000"/>
-              <a:t>with</a:t>
-            </a:r>
-          </a:p>
-          <a:p>
-            <a:pPr algn="ctr"/>
-            <a:r>
-              <a:rPr lang="cs-CZ" sz="2000"/>
-              <a:t>Timepix2</a:t>
-            </a:r>
-          </a:p>
-          <a:p>
-            <a:pPr algn="ctr"/>
-            <a:endParaRPr lang="cs-CZ" sz="788"/>
-          </a:p>
-        </p:txBody>
-      </p:sp>
-      <p:sp>
-        <p:nvSpPr>
-          <p:cNvPr id="8" name="Obdélník 12">
-            <a:extLst>
-              <a:ext uri="{FF2B5EF4-FFF2-40B4-BE49-F238E27FC236}">
-                <a16:creationId xmlns:a16="http://schemas.microsoft.com/office/drawing/2014/main" id="{273D0CA4-F5EF-4F6E-72BA-83F0227DD806}"/>
-              </a:ext>
-            </a:extLst>
-          </p:cNvPr>
-          <p:cNvSpPr/>
-          <p:nvPr/>
-        </p:nvSpPr>
-        <p:spPr>
-          <a:xfrm>
-            <a:off x="3345352" y="3111441"/>
-            <a:ext cx="1842469" cy="1096985"/>
-          </a:xfrm>
-          <a:prstGeom prst="rect">
-            <a:avLst/>
-          </a:prstGeom>
-          <a:solidFill>
-            <a:schemeClr val="tx1"/>
-          </a:solidFill>
-        </p:spPr>
-        <p:style>
-          <a:lnRef idx="2">
-            <a:schemeClr val="accent1">
-              <a:shade val="50000"/>
-            </a:schemeClr>
-          </a:lnRef>
-          <a:fillRef idx="1">
-            <a:schemeClr val="accent1"/>
-          </a:fillRef>
-          <a:effectRef idx="0">
-            <a:schemeClr val="accent1"/>
-          </a:effectRef>
-          <a:fontRef idx="minor">
-            <a:schemeClr val="lt1"/>
-          </a:fontRef>
-        </p:style>
-        <p:txBody>
-          <a:bodyPr lIns="51435" tIns="25718" rIns="51435" bIns="25718" rtlCol="0" anchor="ctr"/>
-          <a:lstStyle/>
-          <a:p>
-            <a:pPr algn="ctr"/>
-            <a:r>
-              <a:rPr lang="en-US" sz="2000"/>
-              <a:t>Conversion </a:t>
-            </a:r>
-          </a:p>
-          <a:p>
-            <a:pPr algn="ctr"/>
-            <a:r>
-              <a:rPr lang="en-US" sz="2000"/>
-              <a:t>board</a:t>
-            </a:r>
-            <a:endParaRPr lang="cs-CZ" sz="2000"/>
-          </a:p>
-          <a:p>
-            <a:pPr algn="ctr"/>
-            <a:endParaRPr lang="cs-CZ" sz="788"/>
-          </a:p>
-        </p:txBody>
-      </p:sp>
-      <p:cxnSp>
-        <p:nvCxnSpPr>
-          <p:cNvPr id="9" name="Přímá spojnice se šipkou 17">
-            <a:extLst>
-              <a:ext uri="{FF2B5EF4-FFF2-40B4-BE49-F238E27FC236}">
-                <a16:creationId xmlns:a16="http://schemas.microsoft.com/office/drawing/2014/main" id="{275F6F00-E761-C22C-9F72-30D324DB80A1}"/>
-              </a:ext>
-            </a:extLst>
-          </p:cNvPr>
-          <p:cNvCxnSpPr>
-            <a:cxnSpLocks/>
-          </p:cNvCxnSpPr>
-          <p:nvPr/>
-        </p:nvCxnSpPr>
-        <p:spPr>
-          <a:xfrm flipV="1">
-            <a:off x="5169949" y="3653075"/>
-            <a:ext cx="380619" cy="3429"/>
-          </a:xfrm>
-          <a:prstGeom prst="straightConnector1">
-            <a:avLst/>
-          </a:prstGeom>
-          <a:ln w="28575">
-            <a:solidFill>
-              <a:schemeClr val="tx1"/>
-            </a:solidFill>
-            <a:tailEnd type="triangle"/>
-          </a:ln>
-        </p:spPr>
-        <p:style>
-          <a:lnRef idx="1">
-            <a:schemeClr val="accent1"/>
-          </a:lnRef>
-          <a:fillRef idx="0">
-            <a:schemeClr val="accent1"/>
-          </a:fillRef>
-          <a:effectRef idx="0">
-            <a:schemeClr val="accent1"/>
-          </a:effectRef>
-          <a:fontRef idx="minor">
-            <a:schemeClr val="tx1"/>
-          </a:fontRef>
-        </p:style>
-      </p:cxnSp>
       <p:pic>
         <p:nvPicPr>
-          <p:cNvPr id="17" name="Obrázek 16" descr="Obsah obrázku elektronika, obvod, Elektronická součástka, Obvodoví součástka&#10;&#10;Popis byl vytvořen automaticky">
-            <a:extLst>
-              <a:ext uri="{FF2B5EF4-FFF2-40B4-BE49-F238E27FC236}">
-                <a16:creationId xmlns:a16="http://schemas.microsoft.com/office/drawing/2014/main" id="{0E483AD7-08B2-DF8C-DFEC-6F38CCAB1ED0}"/>
+          <p:cNvPr id="10" name="Obrázek 9" descr="Obsah obrázku elektronika, Elektronická součástka, Obvodoví součástka, Pasivní součástka&#10;&#10;Popis byl vytvořen automaticky">
+            <a:extLst>
+              <a:ext uri="{FF2B5EF4-FFF2-40B4-BE49-F238E27FC236}">
+                <a16:creationId xmlns:a16="http://schemas.microsoft.com/office/drawing/2014/main" id="{8AF8808F-3FA0-3999-85EC-02CFA653B2F6}"/>
               </a:ext>
             </a:extLst>
           </p:cNvPr>
@@ -6950,7 +7451,7 @@
           <p:nvPr/>
         </p:nvPicPr>
         <p:blipFill>
-          <a:blip r:embed="rId2" cstate="print">
+          <a:blip r:embed="rId2">
             <a:extLst>
               <a:ext uri="{28A0092B-C50C-407E-A947-70E740481C1C}">
                 <a14:useLocalDpi xmlns:a14="http://schemas.microsoft.com/office/drawing/2010/main" val="0"/>
@@ -6963,56 +7464,20 @@
         </p:blipFill>
         <p:spPr>
           <a:xfrm>
-            <a:off x="3345352" y="4541430"/>
-            <a:ext cx="1845145" cy="2026589"/>
+            <a:off x="4295383" y="2731073"/>
+            <a:ext cx="4462476" cy="3130931"/>
           </a:xfrm>
           <a:prstGeom prst="rect">
             <a:avLst/>
           </a:prstGeom>
         </p:spPr>
       </p:pic>
-      <p:pic>
-        <p:nvPicPr>
-          <p:cNvPr id="19" name="Obrázek 18" descr="Obsah obrázku obvod, Elektronická součástka, Obvodoví součástka, Pasivní součástka&#10;&#10;Popis byl vytvořen automaticky">
-            <a:extLst>
-              <a:ext uri="{FF2B5EF4-FFF2-40B4-BE49-F238E27FC236}">
-                <a16:creationId xmlns:a16="http://schemas.microsoft.com/office/drawing/2014/main" id="{57F9BBC1-CB92-6BC0-D0ED-D9D169718DDA}"/>
-              </a:ext>
-            </a:extLst>
-          </p:cNvPr>
-          <p:cNvPicPr>
-            <a:picLocks noChangeAspect="1"/>
-          </p:cNvPicPr>
-          <p:nvPr/>
-        </p:nvPicPr>
-        <p:blipFill>
-          <a:blip r:embed="rId3" cstate="print">
-            <a:extLst>
-              <a:ext uri="{28A0092B-C50C-407E-A947-70E740481C1C}">
-                <a14:useLocalDpi xmlns:a14="http://schemas.microsoft.com/office/drawing/2010/main" val="0"/>
-              </a:ext>
-            </a:extLst>
-          </a:blip>
-          <a:stretch>
-            <a:fillRect/>
-          </a:stretch>
-        </p:blipFill>
-        <p:spPr>
-          <a:xfrm>
-            <a:off x="5280473" y="4835761"/>
-            <a:ext cx="2957641" cy="1140076"/>
-          </a:xfrm>
-          <a:prstGeom prst="rect">
-            <a:avLst/>
-          </a:prstGeom>
-        </p:spPr>
-      </p:pic>
-      <p:sp>
-        <p:nvSpPr>
-          <p:cNvPr id="25" name="TextovéPole 24">
-            <a:extLst>
-              <a:ext uri="{FF2B5EF4-FFF2-40B4-BE49-F238E27FC236}">
-                <a16:creationId xmlns:a16="http://schemas.microsoft.com/office/drawing/2014/main" id="{C3923976-C317-2DB0-A753-26090ED46EC6}"/>
+      <p:sp>
+        <p:nvSpPr>
+          <p:cNvPr id="13" name="TextovéPole 12">
+            <a:extLst>
+              <a:ext uri="{FF2B5EF4-FFF2-40B4-BE49-F238E27FC236}">
+                <a16:creationId xmlns:a16="http://schemas.microsoft.com/office/drawing/2014/main" id="{F98B4AD4-82D6-E457-3196-C7D49CC628B9}"/>
               </a:ext>
             </a:extLst>
           </p:cNvPr>
@@ -7021,8 +7486,8 @@
         </p:nvSpPr>
         <p:spPr>
           <a:xfrm>
-            <a:off x="5201013" y="2273340"/>
-            <a:ext cx="3116559" cy="369332"/>
+            <a:off x="513184" y="2893805"/>
+            <a:ext cx="3720890" cy="923330"/>
           </a:xfrm>
           <a:prstGeom prst="rect">
             <a:avLst/>
@@ -7041,15 +7506,258 @@
             </a:pPr>
             <a:r>
               <a:rPr lang="en-US"/>
-              <a:t>After first test looks OK</a:t>
-            </a:r>
+              <a:t>Digital test of Timepix2: OK</a:t>
+            </a:r>
+            <a:r>
+              <a:rPr lang="cs-CZ"/>
+              <a:t> </a:t>
+            </a:r>
+            <a:endParaRPr lang="en-US"/>
+          </a:p>
+          <a:p>
+            <a:pPr marL="285750" indent="-285750">
+              <a:buFont typeface="Arial" panose="020B0604020202020204" pitchFamily="34" charset="0"/>
+              <a:buChar char="•"/>
+            </a:pPr>
+            <a:r>
+              <a:rPr lang="en-US"/>
+              <a:t>USB : Virtual COM port: OK</a:t>
+            </a:r>
+          </a:p>
+          <a:p>
+            <a:pPr marL="285750" indent="-285750">
+              <a:buFont typeface="Arial" panose="020B0604020202020204" pitchFamily="34" charset="0"/>
+              <a:buChar char="•"/>
+            </a:pPr>
+            <a:r>
+              <a:rPr lang="en-US"/>
+              <a:t>HV: OK </a:t>
+            </a:r>
+          </a:p>
+        </p:txBody>
+      </p:sp>
+      <p:sp>
+        <p:nvSpPr>
+          <p:cNvPr id="14" name="Nadpis 1">
+            <a:extLst>
+              <a:ext uri="{FF2B5EF4-FFF2-40B4-BE49-F238E27FC236}">
+                <a16:creationId xmlns:a16="http://schemas.microsoft.com/office/drawing/2014/main" id="{237B5DC1-8E11-AC1F-7C4C-39FE35250677}"/>
+              </a:ext>
+            </a:extLst>
+          </p:cNvPr>
+          <p:cNvSpPr txBox="1">
+            <a:spLocks/>
+          </p:cNvSpPr>
+          <p:nvPr/>
+        </p:nvSpPr>
+        <p:spPr>
+          <a:xfrm>
+            <a:off x="513184" y="4098111"/>
+            <a:ext cx="5802521" cy="611984"/>
+          </a:xfrm>
+          <a:prstGeom prst="rect">
+            <a:avLst/>
+          </a:prstGeom>
+        </p:spPr>
+        <p:txBody>
+          <a:bodyPr vert="horz" lIns="91440" tIns="45720" rIns="91440" bIns="45720" rtlCol="0" anchor="t">
+            <a:normAutofit/>
+          </a:bodyPr>
+          <a:lstStyle>
+            <a:lvl1pPr algn="l" defTabSz="685766" rtl="0" eaLnBrk="1" latinLnBrk="0" hangingPunct="1">
+              <a:lnSpc>
+                <a:spcPct val="90000"/>
+              </a:lnSpc>
+              <a:spcBef>
+                <a:spcPct val="0"/>
+              </a:spcBef>
+              <a:buNone/>
+              <a:defRPr lang="cs-CZ" sz="3600" b="1" i="0" u="none" strike="noStrike" kern="4800" baseline="0" smtClean="0">
+                <a:solidFill>
+                  <a:schemeClr val="tx1"/>
+                </a:solidFill>
+                <a:latin typeface="Technika-Bold" panose="00000600000000000000" pitchFamily="50" charset="-18"/>
+                <a:ea typeface="+mj-ea"/>
+                <a:cs typeface="+mj-cs"/>
+              </a:defRPr>
+            </a:lvl1pPr>
+          </a:lstStyle>
+          <a:p>
+            <a:r>
+              <a:rPr lang="en-US" sz="2400"/>
+              <a:t>TODO:</a:t>
+            </a:r>
+          </a:p>
+          <a:p>
+            <a:endParaRPr lang="cs-CZ" sz="2400"/>
+          </a:p>
+        </p:txBody>
+      </p:sp>
+      <p:sp>
+        <p:nvSpPr>
+          <p:cNvPr id="15" name="TextovéPole 14">
+            <a:extLst>
+              <a:ext uri="{FF2B5EF4-FFF2-40B4-BE49-F238E27FC236}">
+                <a16:creationId xmlns:a16="http://schemas.microsoft.com/office/drawing/2014/main" id="{11C5D756-1641-9D48-CA38-CC3A6652DE0B}"/>
+              </a:ext>
+            </a:extLst>
+          </p:cNvPr>
+          <p:cNvSpPr txBox="1"/>
+          <p:nvPr/>
+        </p:nvSpPr>
+        <p:spPr>
+          <a:xfrm>
+            <a:off x="558864" y="4525429"/>
+            <a:ext cx="2751074" cy="646331"/>
+          </a:xfrm>
+          <a:prstGeom prst="rect">
+            <a:avLst/>
+          </a:prstGeom>
+          <a:noFill/>
+        </p:spPr>
+        <p:txBody>
+          <a:bodyPr wrap="none" rtlCol="0">
+            <a:spAutoFit/>
+          </a:bodyPr>
+          <a:lstStyle/>
+          <a:p>
+            <a:pPr marL="285750" indent="-285750">
+              <a:buFont typeface="Arial" panose="020B0604020202020204" pitchFamily="34" charset="0"/>
+              <a:buChar char="•"/>
+            </a:pPr>
+            <a:r>
+              <a:rPr lang="en-US"/>
+              <a:t>Connect to </a:t>
+            </a:r>
+            <a:r>
+              <a:rPr lang="en-US" err="1"/>
+              <a:t>TrackLab</a:t>
+            </a:r>
+            <a:endParaRPr lang="en-US"/>
+          </a:p>
+          <a:p>
+            <a:pPr marL="285750" indent="-285750">
+              <a:buFont typeface="Arial" panose="020B0604020202020204" pitchFamily="34" charset="0"/>
+              <a:buChar char="•"/>
+            </a:pPr>
+            <a:r>
+              <a:rPr lang="en-US"/>
+              <a:t>Housing</a:t>
+            </a:r>
+          </a:p>
+        </p:txBody>
+      </p:sp>
+      <p:sp>
+        <p:nvSpPr>
+          <p:cNvPr id="16" name="Nadpis 1">
+            <a:extLst>
+              <a:ext uri="{FF2B5EF4-FFF2-40B4-BE49-F238E27FC236}">
+                <a16:creationId xmlns:a16="http://schemas.microsoft.com/office/drawing/2014/main" id="{A6A8148C-4F9B-F022-5519-3D2F1756A0C4}"/>
+              </a:ext>
+            </a:extLst>
+          </p:cNvPr>
+          <p:cNvSpPr txBox="1">
+            <a:spLocks/>
+          </p:cNvSpPr>
+          <p:nvPr/>
+        </p:nvSpPr>
+        <p:spPr>
+          <a:xfrm>
+            <a:off x="558864" y="5390507"/>
+            <a:ext cx="5802521" cy="1201475"/>
+          </a:xfrm>
+          <a:prstGeom prst="rect">
+            <a:avLst/>
+          </a:prstGeom>
+        </p:spPr>
+        <p:txBody>
+          <a:bodyPr vert="horz" lIns="91440" tIns="45720" rIns="91440" bIns="45720" rtlCol="0" anchor="t">
+            <a:normAutofit lnSpcReduction="10000"/>
+          </a:bodyPr>
+          <a:lstStyle>
+            <a:lvl1pPr algn="l" defTabSz="685766" rtl="0" eaLnBrk="1" latinLnBrk="0" hangingPunct="1">
+              <a:lnSpc>
+                <a:spcPct val="90000"/>
+              </a:lnSpc>
+              <a:spcBef>
+                <a:spcPct val="0"/>
+              </a:spcBef>
+              <a:buNone/>
+              <a:defRPr lang="cs-CZ" sz="3600" b="1" i="0" u="none" strike="noStrike" kern="4800" baseline="0" smtClean="0">
+                <a:solidFill>
+                  <a:schemeClr val="tx1"/>
+                </a:solidFill>
+                <a:latin typeface="Technika-Bold" panose="00000600000000000000" pitchFamily="50" charset="-18"/>
+                <a:ea typeface="+mj-ea"/>
+                <a:cs typeface="+mj-cs"/>
+              </a:defRPr>
+            </a:lvl1pPr>
+          </a:lstStyle>
+          <a:p>
+            <a:r>
+              <a:rPr lang="cs-CZ" sz="2400" err="1"/>
+              <a:t>Thanks</a:t>
+            </a:r>
+            <a:r>
+              <a:rPr lang="cs-CZ" sz="2400"/>
+              <a:t> to:</a:t>
+            </a:r>
+          </a:p>
+          <a:p>
+            <a:r>
+              <a:rPr lang="cs-CZ" sz="2000"/>
+              <a:t>Milan </a:t>
+            </a:r>
+            <a:r>
+              <a:rPr lang="cs-CZ" sz="2000" err="1"/>
+              <a:t>Malich</a:t>
+            </a:r>
+            <a:r>
+              <a:rPr lang="cs-CZ" sz="2000"/>
+              <a:t>, Pavel Skoták, </a:t>
+            </a:r>
+          </a:p>
+          <a:p>
+            <a:r>
+              <a:rPr lang="cs-CZ" sz="2000"/>
+              <a:t>Michael Holík, Martin </a:t>
+            </a:r>
+            <a:r>
+              <a:rPr lang="cs-CZ" sz="2000" err="1"/>
+              <a:t>Oblrich</a:t>
+            </a:r>
+            <a:r>
+              <a:rPr lang="cs-CZ" sz="2000"/>
+              <a:t>,</a:t>
+            </a:r>
+          </a:p>
+          <a:p>
+            <a:r>
+              <a:rPr lang="cs-CZ" sz="2000"/>
+              <a:t>Petr Burian, Petr </a:t>
+            </a:r>
+            <a:r>
+              <a:rPr lang="cs-CZ" sz="2000" err="1"/>
+              <a:t>Smolyanskiy</a:t>
+            </a:r>
+            <a:r>
+              <a:rPr lang="cs-CZ" sz="2000"/>
+              <a:t> </a:t>
+            </a:r>
+            <a:endParaRPr lang="cs-CZ" sz="2400"/>
+          </a:p>
+          <a:p>
+            <a:endParaRPr lang="en-US" sz="2400"/>
+          </a:p>
+          <a:p>
+            <a:endParaRPr lang="cs-CZ" sz="2400"/>
           </a:p>
         </p:txBody>
       </p:sp>
     </p:spTree>
     <p:extLst>
       <p:ext uri="{BB962C8B-B14F-4D97-AF65-F5344CB8AC3E}">
-        <p14:creationId xmlns:p14="http://schemas.microsoft.com/office/powerpoint/2010/main" val="364197155"/>
+        <p14:creationId xmlns:p14="http://schemas.microsoft.com/office/powerpoint/2010/main" val="4013139232"/>
       </p:ext>
     </p:extLst>
   </p:cSld>

--- a/Prezentace/diplomka_diagramy.pptx
+++ b/Prezentace/diplomka_diagramy.pptx
@@ -235,7 +235,7 @@
           <a:p>
             <a:fld id="{41378AF8-A6AF-4C6C-B812-CAB409C6A8AE}" type="datetime1">
               <a:rPr lang="cs-CZ" smtClean="0"/>
-              <a:t>18.03.2024</a:t>
+              <a:t>02.04.2024</a:t>
             </a:fld>
             <a:endParaRPr lang="cs-CZ"/>
           </a:p>
@@ -413,7 +413,7 @@
           <a:p>
             <a:fld id="{ECCFEE94-AE36-4720-81AE-89B9CD716B00}" type="datetime1">
               <a:rPr lang="cs-CZ" smtClean="0"/>
-              <a:t>18.03.2024</a:t>
+              <a:t>02.04.2024</a:t>
             </a:fld>
             <a:endParaRPr lang="cs-CZ"/>
           </a:p>
@@ -4488,10 +4488,9 @@
           <a:p>
             <a:pPr algn="ctr"/>
             <a:r>
-              <a:rPr lang="en-US" sz="2000"/>
-              <a:t>Chipboard</a:t>
-            </a:r>
-            <a:endParaRPr lang="cs-CZ" sz="2000"/>
+              <a:rPr lang="cs-CZ" sz="2000"/>
+              <a:t>Deska s Timepix2</a:t>
+            </a:r>
           </a:p>
           <a:p>
             <a:pPr algn="ctr"/>
@@ -4793,7 +4792,7 @@
         </p:nvSpPr>
         <p:spPr>
           <a:xfrm>
-            <a:off x="3583648" y="3470690"/>
+            <a:off x="3475604" y="3470690"/>
             <a:ext cx="2883158" cy="1200329"/>
           </a:xfrm>
           <a:prstGeom prst="rect">
@@ -4863,7 +4862,7 @@
         <p:spPr>
           <a:xfrm>
             <a:off x="3431916" y="1863125"/>
-            <a:ext cx="2883158" cy="923330"/>
+            <a:ext cx="2883158" cy="1200329"/>
           </a:xfrm>
           <a:prstGeom prst="rect">
             <a:avLst/>
@@ -4883,6 +4882,16 @@
             <a:r>
               <a:rPr lang="cs-CZ"/>
               <a:t>Timepix 2</a:t>
+            </a:r>
+          </a:p>
+          <a:p>
+            <a:pPr marL="285750" indent="-285750">
+              <a:buFont typeface="Arial" panose="020B0604020202020204" pitchFamily="34" charset="0"/>
+              <a:buChar char="•"/>
+            </a:pPr>
+            <a:r>
+              <a:rPr lang="cs-CZ"/>
+              <a:t>Napájení</a:t>
             </a:r>
           </a:p>
           <a:p>
